--- a/Courses/Software-Sciences/Module-3-Databases-New/07-Modeling-Databases/07-Modeling-Databases.pptx
+++ b/Courses/Software-Sciences/Module-3-Databases-New/07-Modeling-Databases/07-Modeling-Databases.pptx
@@ -469,7 +469,7 @@
           <a:p>
             <a:fld id="{4E087215-0C8F-4762-A664-737A353EC9A4}" type="datetimeFigureOut">
               <a:rPr lang="bg-BG" smtClean="0"/>
-              <a:t>20.1.2024 г.</a:t>
+              <a:t>12.4.2024 г.</a:t>
             </a:fld>
             <a:endParaRPr lang="bg-BG"/>
           </a:p>
@@ -665,7 +665,7 @@
           <a:p>
             <a:fld id="{72D84649-876A-46C9-8472-14CB09C070D8}" type="datetimeFigureOut">
               <a:rPr lang="en-US" smtClean="0"/>
-              <a:t>1/20/2024</a:t>
+              <a:t>4/12/2024</a:t>
             </a:fld>
             <a:endParaRPr lang="en-US"/>
           </a:p>
@@ -16013,7 +16013,7 @@
               <a:t> на </a:t>
             </a:r>
             <a:r>
-              <a:rPr lang="bg-BG" dirty="0"/>
+              <a:rPr lang="bg-BG" b="1" dirty="0"/>
               <a:t>проста</a:t>
             </a:r>
             <a:r>

--- a/Courses/Software-Sciences/Module-3-Databases-New/07-Modeling-Databases/07-Modeling-Databases.pptx
+++ b/Courses/Software-Sciences/Module-3-Databases-New/07-Modeling-Databases/07-Modeling-Databases.pptx
@@ -469,7 +469,7 @@
           <a:p>
             <a:fld id="{4E087215-0C8F-4762-A664-737A353EC9A4}" type="datetimeFigureOut">
               <a:rPr lang="bg-BG" smtClean="0"/>
-              <a:t>12.4.2024 г.</a:t>
+              <a:t>19.4.2024 г.</a:t>
             </a:fld>
             <a:endParaRPr lang="bg-BG"/>
           </a:p>
@@ -665,7 +665,7 @@
           <a:p>
             <a:fld id="{72D84649-876A-46C9-8472-14CB09C070D8}" type="datetimeFigureOut">
               <a:rPr lang="en-US" smtClean="0"/>
-              <a:t>4/12/2024</a:t>
+              <a:t>4/19/2024</a:t>
             </a:fld>
             <a:endParaRPr lang="en-US"/>
           </a:p>
@@ -16605,7 +16605,7 @@
         </p:blipFill>
         <p:spPr>
           <a:xfrm>
-            <a:off x="1566441" y="3239775"/>
+            <a:off x="1566441" y="3212775"/>
             <a:ext cx="9059117" cy="3294225"/>
           </a:xfrm>
           <a:prstGeom prst="rect">

--- a/Courses/Software-Sciences/Module-3-Databases-New/07-Modeling-Databases/07-Modeling-Databases.pptx
+++ b/Courses/Software-Sciences/Module-3-Databases-New/07-Modeling-Databases/07-Modeling-Databases.pptx
@@ -469,7 +469,7 @@
           <a:p>
             <a:fld id="{4E087215-0C8F-4762-A664-737A353EC9A4}" type="datetimeFigureOut">
               <a:rPr lang="bg-BG" smtClean="0"/>
-              <a:t>19.4.2024 г.</a:t>
+              <a:t>17.07.24 г.</a:t>
             </a:fld>
             <a:endParaRPr lang="bg-BG"/>
           </a:p>
@@ -665,7 +665,7 @@
           <a:p>
             <a:fld id="{72D84649-876A-46C9-8472-14CB09C070D8}" type="datetimeFigureOut">
               <a:rPr lang="en-US" smtClean="0"/>
-              <a:t>4/19/2024</a:t>
+              <a:t>7/17/24</a:t>
             </a:fld>
             <a:endParaRPr lang="en-US"/>
           </a:p>
@@ -8240,7 +8240,7 @@
       </p:sp>
       <p:pic>
         <p:nvPicPr>
-          <p:cNvPr id="4" name="Picture 3" descr="A yellow and blue sign with white text&#10;&#10;Description automatically generated">
+          <p:cNvPr id="4" name="Picture 3">
             <a:extLst>
               <a:ext uri="{FF2B5EF4-FFF2-40B4-BE49-F238E27FC236}">
                 <a16:creationId xmlns:a16="http://schemas.microsoft.com/office/drawing/2014/main" id="{0277C45F-41D3-C515-3872-CF1271EBDCEB}"/>
@@ -8260,14 +8260,13 @@
               </a:ext>
             </a:extLst>
           </a:blip>
-          <a:stretch>
-            <a:fillRect/>
-          </a:stretch>
+          <a:srcRect/>
+          <a:stretch/>
         </p:blipFill>
         <p:spPr>
           <a:xfrm>
-            <a:off x="584311" y="3001428"/>
-            <a:ext cx="1956689" cy="877572"/>
+            <a:off x="584311" y="3002368"/>
+            <a:ext cx="1956689" cy="875691"/>
           </a:xfrm>
           <a:prstGeom prst="rect">
             <a:avLst/>
@@ -10181,7 +10180,7 @@
               <a:t>Първичен ключ </a:t>
             </a:r>
             <a:r>
-              <a:rPr lang="en-US" sz="3400" b="1" dirty="0" err="1">
+              <a:rPr lang="en-US" sz="3400" b="1" dirty="0">
                 <a:solidFill>
                   <a:schemeClr val="bg1"/>
                 </a:solidFill>
@@ -10259,7 +10258,7 @@
               <a:t>Комбиниран ключ от </a:t>
             </a:r>
             <a:r>
-              <a:rPr lang="en-US" sz="3400" b="1" dirty="0" err="1">
+              <a:rPr lang="en-US" sz="3400" b="1" dirty="0">
                 <a:solidFill>
                   <a:schemeClr val="bg1"/>
                 </a:solidFill>
@@ -10348,7 +10347,7 @@
             </a:r>
             <a:r>
               <a:rPr lang="bg-BG" sz="3200" dirty="0"/>
-              <a:t>туристи могат да качат </a:t>
+              <a:t>туристи могат да изкачат </a:t>
             </a:r>
             <a:r>
               <a:rPr lang="bg-BG" sz="3200" b="1" dirty="0">
@@ -10600,15 +10599,33 @@
                                   </p:childTnLst>
                                 </p:cTn>
                               </p:par>
+                            </p:childTnLst>
+                          </p:cTn>
+                        </p:par>
+                      </p:childTnLst>
+                    </p:cTn>
+                  </p:par>
+                  <p:par>
+                    <p:cTn id="11" fill="hold">
+                      <p:stCondLst>
+                        <p:cond delay="indefinite"/>
+                      </p:stCondLst>
+                      <p:childTnLst>
+                        <p:par>
+                          <p:cTn id="12" fill="hold">
+                            <p:stCondLst>
+                              <p:cond delay="0"/>
+                            </p:stCondLst>
+                            <p:childTnLst>
                               <p:par>
-                                <p:cTn id="11" presetID="1" presetClass="entr" presetSubtype="0" fill="hold" nodeType="withEffect">
+                                <p:cTn id="13" presetID="1" presetClass="entr" presetSubtype="0" fill="hold" nodeType="clickEffect">
                                   <p:stCondLst>
                                     <p:cond delay="0"/>
                                   </p:stCondLst>
                                   <p:childTnLst>
                                     <p:set>
                                       <p:cBhvr>
-                                        <p:cTn id="12" dur="1" fill="hold">
+                                        <p:cTn id="14" dur="1" fill="hold">
                                           <p:stCondLst>
                                             <p:cond delay="0"/>
                                           </p:stCondLst>
@@ -10632,14 +10649,14 @@
                                 </p:cTn>
                               </p:par>
                               <p:par>
-                                <p:cTn id="13" presetID="1" presetClass="entr" presetSubtype="0" fill="hold" nodeType="withEffect">
+                                <p:cTn id="15" presetID="1" presetClass="entr" presetSubtype="0" fill="hold" nodeType="withEffect">
                                   <p:stCondLst>
                                     <p:cond delay="0"/>
                                   </p:stCondLst>
                                   <p:childTnLst>
                                     <p:set>
                                       <p:cBhvr>
-                                        <p:cTn id="14" dur="1" fill="hold">
+                                        <p:cTn id="16" dur="1" fill="hold">
                                           <p:stCondLst>
                                             <p:cond delay="0"/>
                                           </p:stCondLst>
@@ -10665,26 +10682,26 @@
                     </p:cTn>
                   </p:par>
                   <p:par>
-                    <p:cTn id="15" fill="hold">
+                    <p:cTn id="17" fill="hold">
                       <p:stCondLst>
                         <p:cond delay="indefinite"/>
                       </p:stCondLst>
                       <p:childTnLst>
                         <p:par>
-                          <p:cTn id="16" fill="hold">
+                          <p:cTn id="18" fill="hold">
                             <p:stCondLst>
                               <p:cond delay="0"/>
                             </p:stCondLst>
                             <p:childTnLst>
                               <p:par>
-                                <p:cTn id="17" presetID="1" presetClass="entr" presetSubtype="0" fill="hold" nodeType="clickEffect">
+                                <p:cTn id="19" presetID="1" presetClass="entr" presetSubtype="0" fill="hold" nodeType="clickEffect">
                                   <p:stCondLst>
                                     <p:cond delay="0"/>
                                   </p:stCondLst>
                                   <p:childTnLst>
                                     <p:set>
                                       <p:cBhvr>
-                                        <p:cTn id="18" dur="1" fill="hold">
+                                        <p:cTn id="20" dur="1" fill="hold">
                                           <p:stCondLst>
                                             <p:cond delay="0"/>
                                           </p:stCondLst>
@@ -11043,15 +11060,33 @@
                                   </p:childTnLst>
                                 </p:cTn>
                               </p:par>
+                            </p:childTnLst>
+                          </p:cTn>
+                        </p:par>
+                      </p:childTnLst>
+                    </p:cTn>
+                  </p:par>
+                  <p:par>
+                    <p:cTn id="11" fill="hold">
+                      <p:stCondLst>
+                        <p:cond delay="indefinite"/>
+                      </p:stCondLst>
+                      <p:childTnLst>
+                        <p:par>
+                          <p:cTn id="12" fill="hold">
+                            <p:stCondLst>
+                              <p:cond delay="0"/>
+                            </p:stCondLst>
+                            <p:childTnLst>
                               <p:par>
-                                <p:cTn id="11" presetID="1" presetClass="entr" presetSubtype="0" fill="hold" nodeType="withEffect">
+                                <p:cTn id="13" presetID="1" presetClass="entr" presetSubtype="0" fill="hold" nodeType="clickEffect">
                                   <p:stCondLst>
                                     <p:cond delay="0"/>
                                   </p:stCondLst>
                                   <p:childTnLst>
                                     <p:set>
                                       <p:cBhvr>
-                                        <p:cTn id="12" dur="1" fill="hold">
+                                        <p:cTn id="14" dur="1" fill="hold">
                                           <p:stCondLst>
                                             <p:cond delay="0"/>
                                           </p:stCondLst>
@@ -11871,13 +11906,7 @@
               </a:lnSpc>
             </a:pPr>
             <a:r>
-              <a:rPr lang="ru-RU" dirty="0">
-                <a:solidFill>
-                  <a:schemeClr val="tx2">
-                    <a:lumMod val="75000"/>
-                  </a:schemeClr>
-                </a:solidFill>
-              </a:rPr>
+              <a:rPr lang="ru-RU" dirty="0"/>
               <a:t>Връзките между таблиците се основават на взаимовръзки: </a:t>
             </a:r>
             <a:r>
@@ -16243,7 +16272,7 @@
                                         <p:tgtEl>
                                           <p:spTgt spid="444419">
                                             <p:txEl>
-                                              <p:pRg st="2" end="2"/>
+                                              <p:pRg st="1" end="1"/>
                                             </p:txEl>
                                           </p:spTgt>
                                         </p:tgtEl>
@@ -16292,7 +16321,7 @@
                                         <p:tgtEl>
                                           <p:spTgt spid="444419">
                                             <p:txEl>
-                                              <p:pRg st="3" end="3"/>
+                                              <p:pRg st="2" end="2"/>
                                             </p:txEl>
                                           </p:spTgt>
                                         </p:tgtEl>
@@ -16334,6 +16363,55 @@
                                     <p:set>
                                       <p:cBhvr>
                                         <p:cTn id="14" dur="1" fill="hold">
+                                          <p:stCondLst>
+                                            <p:cond delay="0"/>
+                                          </p:stCondLst>
+                                        </p:cTn>
+                                        <p:tgtEl>
+                                          <p:spTgt spid="444419">
+                                            <p:txEl>
+                                              <p:pRg st="3" end="3"/>
+                                            </p:txEl>
+                                          </p:spTgt>
+                                        </p:tgtEl>
+                                        <p:attrNameLst>
+                                          <p:attrName>style.visibility</p:attrName>
+                                        </p:attrNameLst>
+                                      </p:cBhvr>
+                                      <p:to>
+                                        <p:strVal val="visible"/>
+                                      </p:to>
+                                    </p:set>
+                                  </p:childTnLst>
+                                </p:cTn>
+                              </p:par>
+                            </p:childTnLst>
+                          </p:cTn>
+                        </p:par>
+                      </p:childTnLst>
+                    </p:cTn>
+                  </p:par>
+                  <p:par>
+                    <p:cTn id="15" fill="hold">
+                      <p:stCondLst>
+                        <p:cond delay="indefinite"/>
+                      </p:stCondLst>
+                      <p:childTnLst>
+                        <p:par>
+                          <p:cTn id="16" fill="hold">
+                            <p:stCondLst>
+                              <p:cond delay="0"/>
+                            </p:stCondLst>
+                            <p:childTnLst>
+                              <p:par>
+                                <p:cTn id="17" presetID="1" presetClass="entr" presetSubtype="0" fill="hold" nodeType="clickEffect">
+                                  <p:stCondLst>
+                                    <p:cond delay="0"/>
+                                  </p:stCondLst>
+                                  <p:childTnLst>
+                                    <p:set>
+                                      <p:cBhvr>
+                                        <p:cTn id="18" dur="1" fill="hold">
                                           <p:stCondLst>
                                             <p:cond delay="0"/>
                                           </p:stCondLst>
@@ -17156,6 +17234,51 @@
                       </p:childTnLst>
                     </p:cTn>
                   </p:par>
+                  <p:par>
+                    <p:cTn id="7" fill="hold">
+                      <p:stCondLst>
+                        <p:cond delay="indefinite"/>
+                      </p:stCondLst>
+                      <p:childTnLst>
+                        <p:par>
+                          <p:cTn id="8" fill="hold">
+                            <p:stCondLst>
+                              <p:cond delay="0"/>
+                            </p:stCondLst>
+                            <p:childTnLst>
+                              <p:par>
+                                <p:cTn id="9" presetID="1" presetClass="entr" presetSubtype="0" fill="hold" nodeType="clickEffect">
+                                  <p:stCondLst>
+                                    <p:cond delay="0"/>
+                                  </p:stCondLst>
+                                  <p:childTnLst>
+                                    <p:set>
+                                      <p:cBhvr>
+                                        <p:cTn id="10" dur="1" fill="hold">
+                                          <p:stCondLst>
+                                            <p:cond delay="0"/>
+                                          </p:stCondLst>
+                                        </p:cTn>
+                                        <p:tgtEl>
+                                          <p:spTgt spid="6"/>
+                                        </p:tgtEl>
+                                        <p:attrNameLst>
+                                          <p:attrName>style.visibility</p:attrName>
+                                        </p:attrNameLst>
+                                      </p:cBhvr>
+                                      <p:to>
+                                        <p:strVal val="visible"/>
+                                      </p:to>
+                                    </p:set>
+                                  </p:childTnLst>
+                                </p:cTn>
+                              </p:par>
+                            </p:childTnLst>
+                          </p:cTn>
+                        </p:par>
+                      </p:childTnLst>
+                    </p:cTn>
+                  </p:par>
                 </p:childTnLst>
               </p:cTn>
               <p:prevCondLst>
@@ -17383,73 +17506,6 @@
           </a:ln>
         </p:spPr>
       </p:pic>
-      <p:sp>
-        <p:nvSpPr>
-          <p:cNvPr id="7" name="Rectangle: Rounded Corners 6">
-            <a:extLst>
-              <a:ext uri="{FF2B5EF4-FFF2-40B4-BE49-F238E27FC236}">
-                <a16:creationId xmlns:a16="http://schemas.microsoft.com/office/drawing/2014/main" id="{5BCF6AA5-076A-1D45-F987-5D24E9787B81}"/>
-              </a:ext>
-            </a:extLst>
-          </p:cNvPr>
-          <p:cNvSpPr/>
-          <p:nvPr/>
-        </p:nvSpPr>
-        <p:spPr>
-          <a:xfrm>
-            <a:off x="3126000" y="4779000"/>
-            <a:ext cx="7695000" cy="540000"/>
-          </a:xfrm>
-          <a:prstGeom prst="roundRect">
-            <a:avLst>
-              <a:gd name="adj" fmla="val 5385"/>
-            </a:avLst>
-          </a:prstGeom>
-          <a:noFill/>
-          <a:ln w="57150">
-            <a:solidFill>
-              <a:schemeClr val="tx1"/>
-            </a:solidFill>
-            <a:prstDash val="solid"/>
-          </a:ln>
-        </p:spPr>
-        <p:style>
-          <a:lnRef idx="2">
-            <a:schemeClr val="accent1">
-              <a:shade val="50000"/>
-            </a:schemeClr>
-          </a:lnRef>
-          <a:fillRef idx="1">
-            <a:schemeClr val="accent1"/>
-          </a:fillRef>
-          <a:effectRef idx="0">
-            <a:schemeClr val="accent1"/>
-          </a:effectRef>
-          <a:fontRef idx="minor">
-            <a:schemeClr val="lt1"/>
-          </a:fontRef>
-        </p:style>
-        <p:txBody>
-          <a:bodyPr rtlCol="0" anchor="t"/>
-          <a:lstStyle/>
-          <a:p>
-            <a:pPr algn="ctr"/>
-            <a:endParaRPr lang="en-US" sz="2799" b="1" dirty="0">
-              <a:solidFill>
-                <a:srgbClr val="FBEEDC"/>
-              </a:solidFill>
-              <a:effectLst>
-                <a:outerShdw blurRad="38100" dist="38100" dir="2700000" algn="tl">
-                  <a:srgbClr val="000000">
-                    <a:alpha val="43137"/>
-                  </a:srgbClr>
-                </a:outerShdw>
-              </a:effectLst>
-              <a:latin typeface="Consolas" panose="020B0609020204030204" pitchFamily="49" charset="0"/>
-            </a:endParaRPr>
-          </a:p>
-        </p:txBody>
-      </p:sp>
     </p:spTree>
     <p:extLst>
       <p:ext uri="{BB962C8B-B14F-4D97-AF65-F5344CB8AC3E}">
@@ -17489,7 +17545,7 @@
                             </p:stCondLst>
                             <p:childTnLst>
                               <p:par>
-                                <p:cTn id="5" presetID="1" presetClass="entr" presetSubtype="0" fill="hold" grpId="0" nodeType="clickEffect">
+                                <p:cTn id="5" presetID="1" presetClass="entr" presetSubtype="0" fill="hold" nodeType="clickEffect">
                                   <p:stCondLst>
                                     <p:cond delay="0"/>
                                   </p:stCondLst>
@@ -17502,7 +17558,56 @@
                                           </p:stCondLst>
                                         </p:cTn>
                                         <p:tgtEl>
-                                          <p:spTgt spid="7"/>
+                                          <p:spTgt spid="3">
+                                            <p:txEl>
+                                              <p:pRg st="1" end="1"/>
+                                            </p:txEl>
+                                          </p:spTgt>
+                                        </p:tgtEl>
+                                        <p:attrNameLst>
+                                          <p:attrName>style.visibility</p:attrName>
+                                        </p:attrNameLst>
+                                      </p:cBhvr>
+                                      <p:to>
+                                        <p:strVal val="visible"/>
+                                      </p:to>
+                                    </p:set>
+                                  </p:childTnLst>
+                                </p:cTn>
+                              </p:par>
+                            </p:childTnLst>
+                          </p:cTn>
+                        </p:par>
+                      </p:childTnLst>
+                    </p:cTn>
+                  </p:par>
+                  <p:par>
+                    <p:cTn id="7" fill="hold">
+                      <p:stCondLst>
+                        <p:cond delay="indefinite"/>
+                      </p:stCondLst>
+                      <p:childTnLst>
+                        <p:par>
+                          <p:cTn id="8" fill="hold">
+                            <p:stCondLst>
+                              <p:cond delay="0"/>
+                            </p:stCondLst>
+                            <p:childTnLst>
+                              <p:par>
+                                <p:cTn id="9" presetID="1" presetClass="entr" presetSubtype="0" fill="hold" nodeType="clickEffect">
+                                  <p:stCondLst>
+                                    <p:cond delay="0"/>
+                                  </p:stCondLst>
+                                  <p:childTnLst>
+                                    <p:set>
+                                      <p:cBhvr>
+                                        <p:cTn id="10" dur="1" fill="hold">
+                                          <p:stCondLst>
+                                            <p:cond delay="0"/>
+                                          </p:stCondLst>
+                                        </p:cTn>
+                                        <p:tgtEl>
+                                          <p:spTgt spid="6"/>
                                         </p:tgtEl>
                                         <p:attrNameLst>
                                           <p:attrName>style.visibility</p:attrName>
@@ -17542,9 +17647,6 @@
         </p:cTn>
       </p:par>
     </p:tnLst>
-    <p:bldLst>
-      <p:bldP spid="7" grpId="0" animBg="1"/>
-    </p:bldLst>
   </p:timing>
 </p:sld>
 </file>
@@ -17636,7 +17738,15 @@
             </a:r>
             <a:r>
               <a:rPr lang="bg-BG" dirty="0"/>
-              <a:t> таблицата натискаме с </a:t>
+              <a:t> таблицата</a:t>
+            </a:r>
+            <a:r>
+              <a:rPr lang="en-US" dirty="0"/>
+              <a:t>,</a:t>
+            </a:r>
+            <a:r>
+              <a:rPr lang="bg-BG" dirty="0"/>
+              <a:t> натискаме с </a:t>
             </a:r>
             <a:r>
               <a:rPr lang="bg-BG" b="1" dirty="0"/>
@@ -18192,8 +18302,8 @@
         </p:blipFill>
         <p:spPr>
           <a:xfrm>
-            <a:off x="3148058" y="3204000"/>
-            <a:ext cx="5895883" cy="2457875"/>
+            <a:off x="2716279" y="2951125"/>
+            <a:ext cx="6759441" cy="2817875"/>
           </a:xfrm>
           <a:prstGeom prst="rect">
             <a:avLst/>
@@ -18467,73 +18577,6 @@
           </a:ln>
         </p:spPr>
       </p:pic>
-      <p:sp>
-        <p:nvSpPr>
-          <p:cNvPr id="11" name="Rectangle: Rounded Corners 10">
-            <a:extLst>
-              <a:ext uri="{FF2B5EF4-FFF2-40B4-BE49-F238E27FC236}">
-                <a16:creationId xmlns:a16="http://schemas.microsoft.com/office/drawing/2014/main" id="{41438DBB-4124-DB88-6755-05746B0F11F3}"/>
-              </a:ext>
-            </a:extLst>
-          </p:cNvPr>
-          <p:cNvSpPr/>
-          <p:nvPr/>
-        </p:nvSpPr>
-        <p:spPr>
-          <a:xfrm>
-            <a:off x="5241000" y="3024000"/>
-            <a:ext cx="2705645" cy="270000"/>
-          </a:xfrm>
-          <a:prstGeom prst="roundRect">
-            <a:avLst>
-              <a:gd name="adj" fmla="val 5385"/>
-            </a:avLst>
-          </a:prstGeom>
-          <a:noFill/>
-          <a:ln w="57150">
-            <a:solidFill>
-              <a:schemeClr val="tx1"/>
-            </a:solidFill>
-            <a:prstDash val="solid"/>
-          </a:ln>
-        </p:spPr>
-        <p:style>
-          <a:lnRef idx="2">
-            <a:schemeClr val="accent1">
-              <a:shade val="50000"/>
-            </a:schemeClr>
-          </a:lnRef>
-          <a:fillRef idx="1">
-            <a:schemeClr val="accent1"/>
-          </a:fillRef>
-          <a:effectRef idx="0">
-            <a:schemeClr val="accent1"/>
-          </a:effectRef>
-          <a:fontRef idx="minor">
-            <a:schemeClr val="lt1"/>
-          </a:fontRef>
-        </p:style>
-        <p:txBody>
-          <a:bodyPr rtlCol="0" anchor="t"/>
-          <a:lstStyle/>
-          <a:p>
-            <a:pPr algn="ctr"/>
-            <a:endParaRPr lang="en-US" sz="2799" b="1" dirty="0">
-              <a:solidFill>
-                <a:srgbClr val="FBEEDC"/>
-              </a:solidFill>
-              <a:effectLst>
-                <a:outerShdw blurRad="38100" dist="38100" dir="2700000" algn="tl">
-                  <a:srgbClr val="000000">
-                    <a:alpha val="43137"/>
-                  </a:srgbClr>
-                </a:outerShdw>
-              </a:effectLst>
-              <a:latin typeface="Consolas" panose="020B0609020204030204" pitchFamily="49" charset="0"/>
-            </a:endParaRPr>
-          </a:p>
-        </p:txBody>
-      </p:sp>
     </p:spTree>
     <p:extLst>
       <p:ext uri="{BB962C8B-B14F-4D97-AF65-F5344CB8AC3E}">
@@ -18573,7 +18616,7 @@
                             </p:stCondLst>
                             <p:childTnLst>
                               <p:par>
-                                <p:cTn id="5" presetID="1" presetClass="entr" presetSubtype="0" fill="hold" grpId="0" nodeType="clickEffect">
+                                <p:cTn id="5" presetID="1" presetClass="entr" presetSubtype="0" fill="hold" nodeType="clickEffect">
                                   <p:stCondLst>
                                     <p:cond delay="0"/>
                                   </p:stCondLst>
@@ -18586,7 +18629,11 @@
                                           </p:stCondLst>
                                         </p:cTn>
                                         <p:tgtEl>
-                                          <p:spTgt spid="11"/>
+                                          <p:spTgt spid="3">
+                                            <p:txEl>
+                                              <p:pRg st="5" end="5"/>
+                                            </p:txEl>
+                                          </p:spTgt>
                                         </p:tgtEl>
                                         <p:attrNameLst>
                                           <p:attrName>style.visibility</p:attrName>
@@ -18626,37 +18673,6 @@
                                     <p:set>
                                       <p:cBhvr>
                                         <p:cTn id="10" dur="1" fill="hold">
-                                          <p:stCondLst>
-                                            <p:cond delay="0"/>
-                                          </p:stCondLst>
-                                        </p:cTn>
-                                        <p:tgtEl>
-                                          <p:spTgt spid="3">
-                                            <p:txEl>
-                                              <p:pRg st="5" end="5"/>
-                                            </p:txEl>
-                                          </p:spTgt>
-                                        </p:tgtEl>
-                                        <p:attrNameLst>
-                                          <p:attrName>style.visibility</p:attrName>
-                                        </p:attrNameLst>
-                                      </p:cBhvr>
-                                      <p:to>
-                                        <p:strVal val="visible"/>
-                                      </p:to>
-                                    </p:set>
-                                  </p:childTnLst>
-                                </p:cTn>
-                              </p:par>
-                              <p:par>
-                                <p:cTn id="11" presetID="1" presetClass="entr" presetSubtype="0" fill="hold" nodeType="withEffect">
-                                  <p:stCondLst>
-                                    <p:cond delay="0"/>
-                                  </p:stCondLst>
-                                  <p:childTnLst>
-                                    <p:set>
-                                      <p:cBhvr>
-                                        <p:cTn id="12" dur="1" fill="hold">
                                           <p:stCondLst>
                                             <p:cond delay="0"/>
                                           </p:stCondLst>
@@ -18706,9 +18722,6 @@
         </p:cTn>
       </p:par>
     </p:tnLst>
-    <p:bldLst>
-      <p:bldP spid="11" grpId="0" animBg="1"/>
-    </p:bldLst>
   </p:timing>
 </p:sld>
 </file>
@@ -19493,7 +19506,7 @@
             </a:r>
             <a:r>
               <a:rPr lang="bg-BG" dirty="0"/>
-              <a:t>, която се показа</a:t>
+              <a:t>, която се показва</a:t>
             </a:r>
             <a:endParaRPr lang="en-US" dirty="0"/>
           </a:p>
@@ -21082,8 +21095,8 @@
         </p:blipFill>
         <p:spPr>
           <a:xfrm>
-            <a:off x="3700173" y="2844000"/>
-            <a:ext cx="4791654" cy="3285000"/>
+            <a:off x="3182673" y="2512438"/>
+            <a:ext cx="5826654" cy="3994562"/>
           </a:xfrm>
           <a:prstGeom prst="rect">
             <a:avLst/>
@@ -21097,73 +21110,6 @@
           </a:ln>
         </p:spPr>
       </p:pic>
-      <p:sp>
-        <p:nvSpPr>
-          <p:cNvPr id="7" name="Rectangle: Rounded Corners 6">
-            <a:extLst>
-              <a:ext uri="{FF2B5EF4-FFF2-40B4-BE49-F238E27FC236}">
-                <a16:creationId xmlns:a16="http://schemas.microsoft.com/office/drawing/2014/main" id="{9BF81485-5B14-3A2F-5F08-C0329C03BABE}"/>
-              </a:ext>
-            </a:extLst>
-          </p:cNvPr>
-          <p:cNvSpPr/>
-          <p:nvPr/>
-        </p:nvSpPr>
-        <p:spPr>
-          <a:xfrm>
-            <a:off x="5304804" y="4779000"/>
-            <a:ext cx="2861196" cy="225000"/>
-          </a:xfrm>
-          <a:prstGeom prst="roundRect">
-            <a:avLst>
-              <a:gd name="adj" fmla="val 5385"/>
-            </a:avLst>
-          </a:prstGeom>
-          <a:noFill/>
-          <a:ln w="57150">
-            <a:solidFill>
-              <a:schemeClr val="tx1"/>
-            </a:solidFill>
-            <a:prstDash val="solid"/>
-          </a:ln>
-        </p:spPr>
-        <p:style>
-          <a:lnRef idx="2">
-            <a:schemeClr val="accent1">
-              <a:shade val="50000"/>
-            </a:schemeClr>
-          </a:lnRef>
-          <a:fillRef idx="1">
-            <a:schemeClr val="accent1"/>
-          </a:fillRef>
-          <a:effectRef idx="0">
-            <a:schemeClr val="accent1"/>
-          </a:effectRef>
-          <a:fontRef idx="minor">
-            <a:schemeClr val="lt1"/>
-          </a:fontRef>
-        </p:style>
-        <p:txBody>
-          <a:bodyPr rtlCol="0" anchor="t"/>
-          <a:lstStyle/>
-          <a:p>
-            <a:pPr algn="ctr"/>
-            <a:endParaRPr lang="en-US" sz="2799" b="1" dirty="0">
-              <a:solidFill>
-                <a:srgbClr val="FBEEDC"/>
-              </a:solidFill>
-              <a:effectLst>
-                <a:outerShdw blurRad="38100" dist="38100" dir="2700000" algn="tl">
-                  <a:srgbClr val="000000">
-                    <a:alpha val="43137"/>
-                  </a:srgbClr>
-                </a:outerShdw>
-              </a:effectLst>
-              <a:latin typeface="Consolas" panose="020B0609020204030204" pitchFamily="49" charset="0"/>
-            </a:endParaRPr>
-          </a:p>
-        </p:txBody>
-      </p:sp>
     </p:spTree>
     <p:extLst>
       <p:ext uri="{BB962C8B-B14F-4D97-AF65-F5344CB8AC3E}">
@@ -21182,84 +21128,6 @@
       <p:transition spd="slow" advClick="0" advTm="5000"/>
     </mc:Fallback>
   </mc:AlternateContent>
-  <p:timing>
-    <p:tnLst>
-      <p:par>
-        <p:cTn id="1" dur="indefinite" restart="never" nodeType="tmRoot">
-          <p:childTnLst>
-            <p:seq concurrent="1" nextAc="seek">
-              <p:cTn id="2" dur="indefinite" nodeType="mainSeq">
-                <p:childTnLst>
-                  <p:par>
-                    <p:cTn id="3" fill="hold">
-                      <p:stCondLst>
-                        <p:cond delay="indefinite"/>
-                      </p:stCondLst>
-                      <p:childTnLst>
-                        <p:par>
-                          <p:cTn id="4" fill="hold">
-                            <p:stCondLst>
-                              <p:cond delay="0"/>
-                            </p:stCondLst>
-                            <p:childTnLst>
-                              <p:par>
-                                <p:cTn id="5" presetID="1" presetClass="entr" presetSubtype="0" fill="hold" grpId="0" nodeType="clickEffect">
-                                  <p:stCondLst>
-                                    <p:cond delay="0"/>
-                                  </p:stCondLst>
-                                  <p:childTnLst>
-                                    <p:set>
-                                      <p:cBhvr>
-                                        <p:cTn id="6" dur="1" fill="hold">
-                                          <p:stCondLst>
-                                            <p:cond delay="0"/>
-                                          </p:stCondLst>
-                                        </p:cTn>
-                                        <p:tgtEl>
-                                          <p:spTgt spid="7"/>
-                                        </p:tgtEl>
-                                        <p:attrNameLst>
-                                          <p:attrName>style.visibility</p:attrName>
-                                        </p:attrNameLst>
-                                      </p:cBhvr>
-                                      <p:to>
-                                        <p:strVal val="visible"/>
-                                      </p:to>
-                                    </p:set>
-                                  </p:childTnLst>
-                                </p:cTn>
-                              </p:par>
-                            </p:childTnLst>
-                          </p:cTn>
-                        </p:par>
-                      </p:childTnLst>
-                    </p:cTn>
-                  </p:par>
-                </p:childTnLst>
-              </p:cTn>
-              <p:prevCondLst>
-                <p:cond evt="onPrev" delay="0">
-                  <p:tgtEl>
-                    <p:sldTgt/>
-                  </p:tgtEl>
-                </p:cond>
-              </p:prevCondLst>
-              <p:nextCondLst>
-                <p:cond evt="onNext" delay="0">
-                  <p:tgtEl>
-                    <p:sldTgt/>
-                  </p:tgtEl>
-                </p:cond>
-              </p:nextCondLst>
-            </p:seq>
-          </p:childTnLst>
-        </p:cTn>
-      </p:par>
-    </p:tnLst>
-    <p:bldLst>
-      <p:bldP spid="7" grpId="0" animBg="1"/>
-    </p:bldLst>
-  </p:timing>
 </p:sld>
 </file>
 
@@ -21419,8 +21287,8 @@
         </p:blipFill>
         <p:spPr>
           <a:xfrm>
-            <a:off x="2537916" y="2799000"/>
-            <a:ext cx="7116168" cy="3486637"/>
+            <a:off x="1999458" y="2479941"/>
+            <a:ext cx="8193084" cy="4014283"/>
           </a:xfrm>
           <a:prstGeom prst="rect">
             <a:avLst/>
@@ -21434,73 +21302,6 @@
           </a:ln>
         </p:spPr>
       </p:pic>
-      <p:sp>
-        <p:nvSpPr>
-          <p:cNvPr id="7" name="Rectangle: Rounded Corners 6">
-            <a:extLst>
-              <a:ext uri="{FF2B5EF4-FFF2-40B4-BE49-F238E27FC236}">
-                <a16:creationId xmlns:a16="http://schemas.microsoft.com/office/drawing/2014/main" id="{2D19D88C-4600-1806-1A09-3037077E429A}"/>
-              </a:ext>
-            </a:extLst>
-          </p:cNvPr>
-          <p:cNvSpPr/>
-          <p:nvPr/>
-        </p:nvSpPr>
-        <p:spPr>
-          <a:xfrm>
-            <a:off x="6906000" y="4429818"/>
-            <a:ext cx="2655000" cy="225000"/>
-          </a:xfrm>
-          <a:prstGeom prst="roundRect">
-            <a:avLst>
-              <a:gd name="adj" fmla="val 5385"/>
-            </a:avLst>
-          </a:prstGeom>
-          <a:noFill/>
-          <a:ln w="57150">
-            <a:solidFill>
-              <a:schemeClr val="tx1"/>
-            </a:solidFill>
-            <a:prstDash val="solid"/>
-          </a:ln>
-        </p:spPr>
-        <p:style>
-          <a:lnRef idx="2">
-            <a:schemeClr val="accent1">
-              <a:shade val="50000"/>
-            </a:schemeClr>
-          </a:lnRef>
-          <a:fillRef idx="1">
-            <a:schemeClr val="accent1"/>
-          </a:fillRef>
-          <a:effectRef idx="0">
-            <a:schemeClr val="accent1"/>
-          </a:effectRef>
-          <a:fontRef idx="minor">
-            <a:schemeClr val="lt1"/>
-          </a:fontRef>
-        </p:style>
-        <p:txBody>
-          <a:bodyPr rtlCol="0" anchor="t"/>
-          <a:lstStyle/>
-          <a:p>
-            <a:pPr algn="ctr"/>
-            <a:endParaRPr lang="en-US" sz="2799" b="1" dirty="0">
-              <a:solidFill>
-                <a:srgbClr val="FBEEDC"/>
-              </a:solidFill>
-              <a:effectLst>
-                <a:outerShdw blurRad="38100" dist="38100" dir="2700000" algn="tl">
-                  <a:srgbClr val="000000">
-                    <a:alpha val="43137"/>
-                  </a:srgbClr>
-                </a:outerShdw>
-              </a:effectLst>
-              <a:latin typeface="Consolas" panose="020B0609020204030204" pitchFamily="49" charset="0"/>
-            </a:endParaRPr>
-          </a:p>
-        </p:txBody>
-      </p:sp>
     </p:spTree>
     <p:extLst>
       <p:ext uri="{BB962C8B-B14F-4D97-AF65-F5344CB8AC3E}">
@@ -21519,84 +21320,6 @@
       <p:transition spd="slow" advClick="0" advTm="5000"/>
     </mc:Fallback>
   </mc:AlternateContent>
-  <p:timing>
-    <p:tnLst>
-      <p:par>
-        <p:cTn id="1" dur="indefinite" restart="never" nodeType="tmRoot">
-          <p:childTnLst>
-            <p:seq concurrent="1" nextAc="seek">
-              <p:cTn id="2" dur="indefinite" nodeType="mainSeq">
-                <p:childTnLst>
-                  <p:par>
-                    <p:cTn id="3" fill="hold">
-                      <p:stCondLst>
-                        <p:cond delay="indefinite"/>
-                      </p:stCondLst>
-                      <p:childTnLst>
-                        <p:par>
-                          <p:cTn id="4" fill="hold">
-                            <p:stCondLst>
-                              <p:cond delay="0"/>
-                            </p:stCondLst>
-                            <p:childTnLst>
-                              <p:par>
-                                <p:cTn id="5" presetID="1" presetClass="entr" presetSubtype="0" fill="hold" grpId="0" nodeType="clickEffect">
-                                  <p:stCondLst>
-                                    <p:cond delay="0"/>
-                                  </p:stCondLst>
-                                  <p:childTnLst>
-                                    <p:set>
-                                      <p:cBhvr>
-                                        <p:cTn id="6" dur="1" fill="hold">
-                                          <p:stCondLst>
-                                            <p:cond delay="0"/>
-                                          </p:stCondLst>
-                                        </p:cTn>
-                                        <p:tgtEl>
-                                          <p:spTgt spid="7"/>
-                                        </p:tgtEl>
-                                        <p:attrNameLst>
-                                          <p:attrName>style.visibility</p:attrName>
-                                        </p:attrNameLst>
-                                      </p:cBhvr>
-                                      <p:to>
-                                        <p:strVal val="visible"/>
-                                      </p:to>
-                                    </p:set>
-                                  </p:childTnLst>
-                                </p:cTn>
-                              </p:par>
-                            </p:childTnLst>
-                          </p:cTn>
-                        </p:par>
-                      </p:childTnLst>
-                    </p:cTn>
-                  </p:par>
-                </p:childTnLst>
-              </p:cTn>
-              <p:prevCondLst>
-                <p:cond evt="onPrev" delay="0">
-                  <p:tgtEl>
-                    <p:sldTgt/>
-                  </p:tgtEl>
-                </p:cond>
-              </p:prevCondLst>
-              <p:nextCondLst>
-                <p:cond evt="onNext" delay="0">
-                  <p:tgtEl>
-                    <p:sldTgt/>
-                  </p:tgtEl>
-                </p:cond>
-              </p:nextCondLst>
-            </p:seq>
-          </p:childTnLst>
-        </p:cTn>
-      </p:par>
-    </p:tnLst>
-    <p:bldLst>
-      <p:bldP spid="7" grpId="0" animBg="1"/>
-    </p:bldLst>
-  </p:timing>
 </p:sld>
 </file>
 
@@ -21923,6 +21646,55 @@
                                         </p:cTn>
                                         <p:tgtEl>
                                           <p:spTgt spid="7"/>
+                                        </p:tgtEl>
+                                        <p:attrNameLst>
+                                          <p:attrName>style.visibility</p:attrName>
+                                        </p:attrNameLst>
+                                      </p:cBhvr>
+                                      <p:to>
+                                        <p:strVal val="visible"/>
+                                      </p:to>
+                                    </p:set>
+                                  </p:childTnLst>
+                                </p:cTn>
+                              </p:par>
+                            </p:childTnLst>
+                          </p:cTn>
+                        </p:par>
+                      </p:childTnLst>
+                    </p:cTn>
+                  </p:par>
+                  <p:par>
+                    <p:cTn id="7" fill="hold">
+                      <p:stCondLst>
+                        <p:cond delay="indefinite"/>
+                      </p:stCondLst>
+                      <p:childTnLst>
+                        <p:par>
+                          <p:cTn id="8" fill="hold">
+                            <p:stCondLst>
+                              <p:cond delay="0"/>
+                            </p:stCondLst>
+                            <p:childTnLst>
+                              <p:par>
+                                <p:cTn id="9" presetID="1" presetClass="entr" presetSubtype="0" fill="hold" nodeType="clickEffect">
+                                  <p:stCondLst>
+                                    <p:cond delay="0"/>
+                                  </p:stCondLst>
+                                  <p:childTnLst>
+                                    <p:set>
+                                      <p:cBhvr>
+                                        <p:cTn id="10" dur="1" fill="hold">
+                                          <p:stCondLst>
+                                            <p:cond delay="0"/>
+                                          </p:stCondLst>
+                                        </p:cTn>
+                                        <p:tgtEl>
+                                          <p:spTgt spid="3">
+                                            <p:txEl>
+                                              <p:pRg st="1" end="1"/>
+                                            </p:txEl>
+                                          </p:spTgt>
                                         </p:tgtEl>
                                         <p:attrNameLst>
                                           <p:attrName>style.visibility</p:attrName>
@@ -22511,8 +22283,12 @@
               <a:t>полетата</a:t>
             </a:r>
             <a:r>
+              <a:rPr lang="en-US" sz="3200" dirty="0"/>
+              <a:t>, </a:t>
+            </a:r>
+            <a:r>
               <a:rPr lang="bg-BG" sz="3200" dirty="0"/>
-              <a:t> където пише </a:t>
+              <a:t>където пише </a:t>
             </a:r>
             <a:r>
               <a:rPr lang="en-US" sz="3200" b="1" dirty="0">
@@ -22522,7 +22298,7 @@
             </a:r>
             <a:r>
               <a:rPr lang="en-US" sz="3200" dirty="0"/>
-              <a:t> </a:t>
+              <a:t>, </a:t>
             </a:r>
             <a:r>
               <a:rPr lang="bg-BG" sz="3200" dirty="0"/>
@@ -22544,11 +22320,11 @@
           <a:p>
             <a:pPr lvl="1"/>
             <a:r>
-              <a:rPr lang="bg-BG" sz="2800" dirty="0"/>
+              <a:rPr lang="bg-BG" sz="3000" dirty="0"/>
               <a:t>Те трябва да бъдат от </a:t>
             </a:r>
             <a:r>
-              <a:rPr lang="bg-BG" sz="2800" b="1" dirty="0">
+              <a:rPr lang="bg-BG" sz="3000" b="1" dirty="0">
                 <a:solidFill>
                   <a:schemeClr val="bg1"/>
                 </a:solidFill>
@@ -22556,11 +22332,11 @@
               <a:t>съответния</a:t>
             </a:r>
             <a:r>
-              <a:rPr lang="bg-BG" sz="2800" dirty="0"/>
+              <a:rPr lang="bg-BG" sz="3000" dirty="0"/>
               <a:t> </a:t>
             </a:r>
             <a:r>
-              <a:rPr lang="bg-BG" sz="2800" b="1" dirty="0">
+              <a:rPr lang="bg-BG" sz="3000" b="1" dirty="0">
                 <a:solidFill>
                   <a:schemeClr val="bg1"/>
                 </a:solidFill>
@@ -22568,11 +22344,11 @@
               <a:t>тип</a:t>
             </a:r>
             <a:r>
-              <a:rPr lang="bg-BG" sz="2800" dirty="0"/>
+              <a:rPr lang="bg-BG" sz="3000" dirty="0"/>
               <a:t> на </a:t>
             </a:r>
             <a:r>
-              <a:rPr lang="bg-BG" sz="2800" b="1" dirty="0">
+              <a:rPr lang="bg-BG" sz="3000" b="1" dirty="0">
                 <a:solidFill>
                   <a:schemeClr val="bg1"/>
                 </a:solidFill>
@@ -22583,27 +22359,27 @@
           <a:p>
             <a:pPr lvl="1"/>
             <a:r>
-              <a:rPr lang="bg-BG" sz="2800" dirty="0"/>
+              <a:rPr lang="bg-BG" sz="3000" dirty="0"/>
               <a:t>Натиснете </a:t>
             </a:r>
             <a:r>
-              <a:rPr lang="en-US" sz="2800" dirty="0"/>
+              <a:rPr lang="en-US" sz="3000" dirty="0"/>
               <a:t>[</a:t>
             </a:r>
             <a:r>
-              <a:rPr lang="en-US" sz="2800" b="1" dirty="0"/>
+              <a:rPr lang="en-US" sz="3000" b="1" dirty="0"/>
               <a:t>Enter</a:t>
             </a:r>
             <a:r>
-              <a:rPr lang="en-US" sz="2800" dirty="0"/>
+              <a:rPr lang="en-US" sz="3000" dirty="0"/>
               <a:t>]</a:t>
             </a:r>
             <a:r>
-              <a:rPr lang="bg-BG" sz="2800" dirty="0"/>
+              <a:rPr lang="bg-BG" sz="3000" dirty="0"/>
               <a:t>, когато сте </a:t>
             </a:r>
             <a:r>
-              <a:rPr lang="bg-BG" sz="2800" b="1" dirty="0">
+              <a:rPr lang="bg-BG" sz="3000" b="1" dirty="0">
                 <a:solidFill>
                   <a:schemeClr val="bg1"/>
                 </a:solidFill>
@@ -22611,31 +22387,31 @@
               <a:t>готови</a:t>
             </a:r>
             <a:r>
-              <a:rPr lang="bg-BG" sz="2800" dirty="0"/>
+              <a:rPr lang="bg-BG" sz="3000" dirty="0"/>
               <a:t> с попълването на данни:</a:t>
             </a:r>
-            <a:endParaRPr lang="en-US" sz="2800" dirty="0"/>
+            <a:endParaRPr lang="en-US" sz="3000" dirty="0"/>
           </a:p>
           <a:p>
             <a:pPr lvl="1"/>
-            <a:endParaRPr lang="en-US" sz="2800" dirty="0"/>
+            <a:endParaRPr lang="en-US" sz="3000" dirty="0"/>
           </a:p>
           <a:p>
             <a:pPr lvl="1"/>
-            <a:endParaRPr lang="en-US" sz="2800" dirty="0"/>
-          </a:p>
-          <a:p>
-            <a:pPr lvl="1"/>
-            <a:r>
-              <a:rPr lang="bg-BG" sz="2800" dirty="0"/>
-              <a:t>Нека</a:t>
-            </a:r>
-            <a:r>
-              <a:rPr lang="bg-BG" sz="3200" dirty="0"/>
-              <a:t> добавим </a:t>
-            </a:r>
-            <a:r>
-              <a:rPr lang="bg-BG" sz="3200" b="1" dirty="0">
+            <a:endParaRPr lang="en-US" sz="3000" dirty="0"/>
+          </a:p>
+          <a:p>
+            <a:pPr lvl="1">
+              <a:spcBef>
+                <a:spcPts val="0"/>
+              </a:spcBef>
+            </a:pPr>
+            <a:r>
+              <a:rPr lang="bg-BG" sz="3000" dirty="0"/>
+              <a:t>Нека добавим </a:t>
+            </a:r>
+            <a:r>
+              <a:rPr lang="bg-BG" sz="3000" b="1" dirty="0">
                 <a:solidFill>
                   <a:schemeClr val="bg1"/>
                 </a:solidFill>
@@ -22643,19 +22419,19 @@
               <a:t>още</a:t>
             </a:r>
             <a:r>
-              <a:rPr lang="bg-BG" sz="3200" dirty="0"/>
+              <a:rPr lang="bg-BG" sz="3000" dirty="0"/>
               <a:t> записи в таблицата </a:t>
             </a:r>
             <a:r>
-              <a:rPr lang="en-US" sz="3200" dirty="0"/>
+              <a:rPr lang="en-US" sz="3000" dirty="0"/>
               <a:t>"</a:t>
             </a:r>
             <a:r>
-              <a:rPr lang="en-US" sz="3200" b="1" dirty="0"/>
+              <a:rPr lang="en-US" sz="3000" b="1" dirty="0"/>
               <a:t>Students</a:t>
             </a:r>
             <a:r>
-              <a:rPr lang="en-US" sz="3200" dirty="0"/>
+              <a:rPr lang="en-US" sz="3000" dirty="0"/>
               <a:t>":</a:t>
             </a:r>
           </a:p>
@@ -22827,6 +22603,55 @@
                                         <p:tgtEl>
                                           <p:spTgt spid="3">
                                             <p:txEl>
+                                              <p:pRg st="1" end="1"/>
+                                            </p:txEl>
+                                          </p:spTgt>
+                                        </p:tgtEl>
+                                        <p:attrNameLst>
+                                          <p:attrName>style.visibility</p:attrName>
+                                        </p:attrNameLst>
+                                      </p:cBhvr>
+                                      <p:to>
+                                        <p:strVal val="visible"/>
+                                      </p:to>
+                                    </p:set>
+                                  </p:childTnLst>
+                                </p:cTn>
+                              </p:par>
+                            </p:childTnLst>
+                          </p:cTn>
+                        </p:par>
+                      </p:childTnLst>
+                    </p:cTn>
+                  </p:par>
+                  <p:par>
+                    <p:cTn id="7" fill="hold">
+                      <p:stCondLst>
+                        <p:cond delay="indefinite"/>
+                      </p:stCondLst>
+                      <p:childTnLst>
+                        <p:par>
+                          <p:cTn id="8" fill="hold">
+                            <p:stCondLst>
+                              <p:cond delay="0"/>
+                            </p:stCondLst>
+                            <p:childTnLst>
+                              <p:par>
+                                <p:cTn id="9" presetID="1" presetClass="entr" presetSubtype="0" fill="hold" nodeType="clickEffect">
+                                  <p:stCondLst>
+                                    <p:cond delay="0"/>
+                                  </p:stCondLst>
+                                  <p:childTnLst>
+                                    <p:set>
+                                      <p:cBhvr>
+                                        <p:cTn id="10" dur="1" fill="hold">
+                                          <p:stCondLst>
+                                            <p:cond delay="0"/>
+                                          </p:stCondLst>
+                                        </p:cTn>
+                                        <p:tgtEl>
+                                          <p:spTgt spid="3">
+                                            <p:txEl>
                                               <p:pRg st="2" end="2"/>
                                             </p:txEl>
                                           </p:spTgt>
@@ -22843,14 +22668,14 @@
                                 </p:cTn>
                               </p:par>
                               <p:par>
-                                <p:cTn id="7" presetID="1" presetClass="entr" presetSubtype="0" fill="hold" nodeType="withEffect">
+                                <p:cTn id="11" presetID="1" presetClass="entr" presetSubtype="0" fill="hold" nodeType="withEffect">
                                   <p:stCondLst>
                                     <p:cond delay="0"/>
                                   </p:stCondLst>
                                   <p:childTnLst>
                                     <p:set>
                                       <p:cBhvr>
-                                        <p:cTn id="8" dur="1" fill="hold">
+                                        <p:cTn id="12" dur="1" fill="hold">
                                           <p:stCondLst>
                                             <p:cond delay="0"/>
                                           </p:stCondLst>
@@ -22876,26 +22701,26 @@
                     </p:cTn>
                   </p:par>
                   <p:par>
-                    <p:cTn id="9" fill="hold">
+                    <p:cTn id="13" fill="hold">
                       <p:stCondLst>
                         <p:cond delay="indefinite"/>
                       </p:stCondLst>
                       <p:childTnLst>
                         <p:par>
-                          <p:cTn id="10" fill="hold">
+                          <p:cTn id="14" fill="hold">
                             <p:stCondLst>
                               <p:cond delay="0"/>
                             </p:stCondLst>
                             <p:childTnLst>
                               <p:par>
-                                <p:cTn id="11" presetID="1" presetClass="entr" presetSubtype="0" fill="hold" nodeType="clickEffect">
+                                <p:cTn id="15" presetID="1" presetClass="entr" presetSubtype="0" fill="hold" nodeType="clickEffect">
                                   <p:stCondLst>
                                     <p:cond delay="0"/>
                                   </p:stCondLst>
                                   <p:childTnLst>
                                     <p:set>
                                       <p:cBhvr>
-                                        <p:cTn id="12" dur="1" fill="hold">
+                                        <p:cTn id="16" dur="1" fill="hold">
                                           <p:stCondLst>
                                             <p:cond delay="0"/>
                                           </p:stCondLst>
@@ -22919,14 +22744,14 @@
                                 </p:cTn>
                               </p:par>
                               <p:par>
-                                <p:cTn id="13" presetID="1" presetClass="entr" presetSubtype="0" fill="hold" nodeType="withEffect">
+                                <p:cTn id="17" presetID="1" presetClass="entr" presetSubtype="0" fill="hold" nodeType="withEffect">
                                   <p:stCondLst>
                                     <p:cond delay="0"/>
                                   </p:stCondLst>
                                   <p:childTnLst>
                                     <p:set>
                                       <p:cBhvr>
-                                        <p:cTn id="14" dur="1" fill="hold">
+                                        <p:cTn id="18" dur="1" fill="hold">
                                           <p:stCondLst>
                                             <p:cond delay="0"/>
                                           </p:stCondLst>
@@ -23070,15 +22895,19 @@
             </a:r>
             <a:r>
               <a:rPr lang="bg-BG" sz="3600" dirty="0"/>
-              <a:t>от таблицата "</a:t>
+              <a:t>от таблицата </a:t>
             </a:r>
             <a:r>
               <a:rPr lang="en-US" sz="3600" b="1" dirty="0"/>
               <a:t>Students</a:t>
             </a:r>
             <a:r>
+              <a:rPr lang="en-US" sz="3600" dirty="0"/>
+              <a:t>, </a:t>
+            </a:r>
+            <a:r>
               <a:rPr lang="bg-BG" sz="3600" dirty="0"/>
-              <a:t>" ще получим следния резутлат:</a:t>
+              <a:t>ще получим следния резутлат:</a:t>
             </a:r>
           </a:p>
           <a:p>
@@ -24368,7 +24197,7 @@
                                         <p:tgtEl>
                                           <p:spTgt spid="14">
                                             <p:txEl>
-                                              <p:pRg st="3" end="3"/>
+                                              <p:pRg st="1" end="1"/>
                                             </p:txEl>
                                           </p:spTgt>
                                         </p:tgtEl>
@@ -24417,6 +24246,104 @@
                                         <p:tgtEl>
                                           <p:spTgt spid="14">
                                             <p:txEl>
+                                              <p:pRg st="2" end="2"/>
+                                            </p:txEl>
+                                          </p:spTgt>
+                                        </p:tgtEl>
+                                        <p:attrNameLst>
+                                          <p:attrName>style.visibility</p:attrName>
+                                        </p:attrNameLst>
+                                      </p:cBhvr>
+                                      <p:to>
+                                        <p:strVal val="visible"/>
+                                      </p:to>
+                                    </p:set>
+                                  </p:childTnLst>
+                                </p:cTn>
+                              </p:par>
+                            </p:childTnLst>
+                          </p:cTn>
+                        </p:par>
+                      </p:childTnLst>
+                    </p:cTn>
+                  </p:par>
+                  <p:par>
+                    <p:cTn id="11" fill="hold">
+                      <p:stCondLst>
+                        <p:cond delay="indefinite"/>
+                      </p:stCondLst>
+                      <p:childTnLst>
+                        <p:par>
+                          <p:cTn id="12" fill="hold">
+                            <p:stCondLst>
+                              <p:cond delay="0"/>
+                            </p:stCondLst>
+                            <p:childTnLst>
+                              <p:par>
+                                <p:cTn id="13" presetID="1" presetClass="entr" presetSubtype="0" fill="hold" nodeType="clickEffect">
+                                  <p:stCondLst>
+                                    <p:cond delay="0"/>
+                                  </p:stCondLst>
+                                  <p:childTnLst>
+                                    <p:set>
+                                      <p:cBhvr>
+                                        <p:cTn id="14" dur="1" fill="hold">
+                                          <p:stCondLst>
+                                            <p:cond delay="0"/>
+                                          </p:stCondLst>
+                                        </p:cTn>
+                                        <p:tgtEl>
+                                          <p:spTgt spid="14">
+                                            <p:txEl>
+                                              <p:pRg st="3" end="3"/>
+                                            </p:txEl>
+                                          </p:spTgt>
+                                        </p:tgtEl>
+                                        <p:attrNameLst>
+                                          <p:attrName>style.visibility</p:attrName>
+                                        </p:attrNameLst>
+                                      </p:cBhvr>
+                                      <p:to>
+                                        <p:strVal val="visible"/>
+                                      </p:to>
+                                    </p:set>
+                                  </p:childTnLst>
+                                </p:cTn>
+                              </p:par>
+                            </p:childTnLst>
+                          </p:cTn>
+                        </p:par>
+                      </p:childTnLst>
+                    </p:cTn>
+                  </p:par>
+                  <p:par>
+                    <p:cTn id="15" fill="hold">
+                      <p:stCondLst>
+                        <p:cond delay="indefinite"/>
+                      </p:stCondLst>
+                      <p:childTnLst>
+                        <p:par>
+                          <p:cTn id="16" fill="hold">
+                            <p:stCondLst>
+                              <p:cond delay="0"/>
+                            </p:stCondLst>
+                            <p:childTnLst>
+                              <p:par>
+                                <p:cTn id="17" presetID="1" presetClass="entr" presetSubtype="0" fill="hold" nodeType="clickEffect">
+                                  <p:stCondLst>
+                                    <p:cond delay="0"/>
+                                  </p:stCondLst>
+                                  <p:childTnLst>
+                                    <p:set>
+                                      <p:cBhvr>
+                                        <p:cTn id="18" dur="1" fill="hold">
+                                          <p:stCondLst>
+                                            <p:cond delay="0"/>
+                                          </p:stCondLst>
+                                        </p:cTn>
+                                        <p:tgtEl>
+                                          <p:spTgt spid="14">
+                                            <p:txEl>
                                               <p:pRg st="4" end="4"/>
                                             </p:txEl>
                                           </p:spTgt>
@@ -24432,15 +24359,33 @@
                                   </p:childTnLst>
                                 </p:cTn>
                               </p:par>
+                            </p:childTnLst>
+                          </p:cTn>
+                        </p:par>
+                      </p:childTnLst>
+                    </p:cTn>
+                  </p:par>
+                  <p:par>
+                    <p:cTn id="19" fill="hold">
+                      <p:stCondLst>
+                        <p:cond delay="indefinite"/>
+                      </p:stCondLst>
+                      <p:childTnLst>
+                        <p:par>
+                          <p:cTn id="20" fill="hold">
+                            <p:stCondLst>
+                              <p:cond delay="0"/>
+                            </p:stCondLst>
+                            <p:childTnLst>
                               <p:par>
-                                <p:cTn id="11" presetID="1" presetClass="entr" presetSubtype="0" fill="hold" nodeType="withEffect">
+                                <p:cTn id="21" presetID="1" presetClass="entr" presetSubtype="0" fill="hold" nodeType="clickEffect">
                                   <p:stCondLst>
                                     <p:cond delay="0"/>
                                   </p:stCondLst>
                                   <p:childTnLst>
                                     <p:set>
                                       <p:cBhvr>
-                                        <p:cTn id="12" dur="1" fill="hold">
+                                        <p:cTn id="22" dur="1" fill="hold">
                                           <p:stCondLst>
                                             <p:cond delay="0"/>
                                           </p:stCondLst>
@@ -24470,26 +24415,26 @@
                     </p:cTn>
                   </p:par>
                   <p:par>
-                    <p:cTn id="13" fill="hold">
+                    <p:cTn id="23" fill="hold">
                       <p:stCondLst>
                         <p:cond delay="indefinite"/>
                       </p:stCondLst>
                       <p:childTnLst>
                         <p:par>
-                          <p:cTn id="14" fill="hold">
+                          <p:cTn id="24" fill="hold">
                             <p:stCondLst>
                               <p:cond delay="0"/>
                             </p:stCondLst>
                             <p:childTnLst>
                               <p:par>
-                                <p:cTn id="15" presetID="1" presetClass="entr" presetSubtype="0" fill="hold" nodeType="clickEffect">
+                                <p:cTn id="25" presetID="1" presetClass="entr" presetSubtype="0" fill="hold" nodeType="clickEffect">
                                   <p:stCondLst>
                                     <p:cond delay="0"/>
                                   </p:stCondLst>
                                   <p:childTnLst>
                                     <p:set>
                                       <p:cBhvr>
-                                        <p:cTn id="16" dur="1" fill="hold">
+                                        <p:cTn id="26" dur="1" fill="hold">
                                           <p:stCondLst>
                                             <p:cond delay="0"/>
                                           </p:stCondLst>
@@ -24519,26 +24464,26 @@
                     </p:cTn>
                   </p:par>
                   <p:par>
-                    <p:cTn id="17" fill="hold">
+                    <p:cTn id="27" fill="hold">
                       <p:stCondLst>
                         <p:cond delay="indefinite"/>
                       </p:stCondLst>
                       <p:childTnLst>
                         <p:par>
-                          <p:cTn id="18" fill="hold">
+                          <p:cTn id="28" fill="hold">
                             <p:stCondLst>
                               <p:cond delay="0"/>
                             </p:stCondLst>
                             <p:childTnLst>
                               <p:par>
-                                <p:cTn id="19" presetID="1" presetClass="entr" presetSubtype="0" fill="hold" nodeType="clickEffect">
+                                <p:cTn id="29" presetID="1" presetClass="entr" presetSubtype="0" fill="hold" nodeType="clickEffect">
                                   <p:stCondLst>
                                     <p:cond delay="0"/>
                                   </p:stCondLst>
                                   <p:childTnLst>
                                     <p:set>
                                       <p:cBhvr>
-                                        <p:cTn id="20" dur="1" fill="hold">
+                                        <p:cTn id="30" dur="1" fill="hold">
                                           <p:stCondLst>
                                             <p:cond delay="0"/>
                                           </p:stCondLst>
@@ -27552,7 +27497,7 @@
 </file>
 
 <file path=ppt/slides/slide40.xml><?xml version="1.0" encoding="utf-8"?>
-<p:sld xmlns:a="http://schemas.openxmlformats.org/drawingml/2006/main" xmlns:r="http://schemas.openxmlformats.org/officeDocument/2006/relationships" xmlns:p="http://schemas.openxmlformats.org/presentationml/2006/main">
+<p:sld xmlns:a="http://schemas.openxmlformats.org/drawingml/2006/main" xmlns:r="http://schemas.openxmlformats.org/officeDocument/2006/relationships" xmlns:p="http://schemas.openxmlformats.org/presentationml/2006/main" show="0">
   <p:cSld>
     <p:spTree>
       <p:nvGrpSpPr>
@@ -28065,7 +28010,7 @@
                   <a:schemeClr val="tx2"/>
                 </a:solidFill>
               </a:rPr>
-              <a:t>Определят</a:t>
+              <a:t>Таблиците също определят</a:t>
             </a:r>
             <a:r>
               <a:rPr lang="bg-BG" sz="3200" b="1" dirty="0">
@@ -28258,7 +28203,7 @@
                                         <p:tgtEl>
                                           <p:spTgt spid="3">
                                             <p:txEl>
-                                              <p:pRg st="2" end="2"/>
+                                              <p:pRg st="1" end="1"/>
                                             </p:txEl>
                                           </p:spTgt>
                                         </p:tgtEl>
@@ -28307,7 +28252,7 @@
                                         <p:tgtEl>
                                           <p:spTgt spid="3">
                                             <p:txEl>
-                                              <p:pRg st="3" end="3"/>
+                                              <p:pRg st="2" end="2"/>
                                             </p:txEl>
                                           </p:spTgt>
                                         </p:tgtEl>
@@ -28356,6 +28301,55 @@
                                         <p:tgtEl>
                                           <p:spTgt spid="3">
                                             <p:txEl>
+                                              <p:pRg st="3" end="3"/>
+                                            </p:txEl>
+                                          </p:spTgt>
+                                        </p:tgtEl>
+                                        <p:attrNameLst>
+                                          <p:attrName>style.visibility</p:attrName>
+                                        </p:attrNameLst>
+                                      </p:cBhvr>
+                                      <p:to>
+                                        <p:strVal val="visible"/>
+                                      </p:to>
+                                    </p:set>
+                                  </p:childTnLst>
+                                </p:cTn>
+                              </p:par>
+                            </p:childTnLst>
+                          </p:cTn>
+                        </p:par>
+                      </p:childTnLst>
+                    </p:cTn>
+                  </p:par>
+                  <p:par>
+                    <p:cTn id="15" fill="hold">
+                      <p:stCondLst>
+                        <p:cond delay="indefinite"/>
+                      </p:stCondLst>
+                      <p:childTnLst>
+                        <p:par>
+                          <p:cTn id="16" fill="hold">
+                            <p:stCondLst>
+                              <p:cond delay="0"/>
+                            </p:stCondLst>
+                            <p:childTnLst>
+                              <p:par>
+                                <p:cTn id="17" presetID="1" presetClass="entr" presetSubtype="0" fill="hold" nodeType="clickEffect">
+                                  <p:stCondLst>
+                                    <p:cond delay="0"/>
+                                  </p:stCondLst>
+                                  <p:childTnLst>
+                                    <p:set>
+                                      <p:cBhvr>
+                                        <p:cTn id="18" dur="1" fill="hold">
+                                          <p:stCondLst>
+                                            <p:cond delay="0"/>
+                                          </p:stCondLst>
+                                        </p:cTn>
+                                        <p:tgtEl>
+                                          <p:spTgt spid="3">
+                                            <p:txEl>
                                               <p:pRg st="4" end="4"/>
                                             </p:txEl>
                                           </p:spTgt>
@@ -28371,15 +28365,33 @@
                                   </p:childTnLst>
                                 </p:cTn>
                               </p:par>
+                            </p:childTnLst>
+                          </p:cTn>
+                        </p:par>
+                      </p:childTnLst>
+                    </p:cTn>
+                  </p:par>
+                  <p:par>
+                    <p:cTn id="19" fill="hold">
+                      <p:stCondLst>
+                        <p:cond delay="indefinite"/>
+                      </p:stCondLst>
+                      <p:childTnLst>
+                        <p:par>
+                          <p:cTn id="20" fill="hold">
+                            <p:stCondLst>
+                              <p:cond delay="0"/>
+                            </p:stCondLst>
+                            <p:childTnLst>
                               <p:par>
-                                <p:cTn id="15" presetID="1" presetClass="entr" presetSubtype="0" fill="hold" nodeType="withEffect">
+                                <p:cTn id="21" presetID="1" presetClass="entr" presetSubtype="0" fill="hold" nodeType="clickEffect">
                                   <p:stCondLst>
                                     <p:cond delay="0"/>
                                   </p:stCondLst>
                                   <p:childTnLst>
                                     <p:set>
                                       <p:cBhvr>
-                                        <p:cTn id="16" dur="1" fill="hold">
+                                        <p:cTn id="22" dur="1" fill="hold">
                                           <p:stCondLst>
                                             <p:cond delay="0"/>
                                           </p:stCondLst>
@@ -28409,26 +28421,26 @@
                     </p:cTn>
                   </p:par>
                   <p:par>
-                    <p:cTn id="17" fill="hold">
+                    <p:cTn id="23" fill="hold">
                       <p:stCondLst>
                         <p:cond delay="indefinite"/>
                       </p:stCondLst>
                       <p:childTnLst>
                         <p:par>
-                          <p:cTn id="18" fill="hold">
+                          <p:cTn id="24" fill="hold">
                             <p:stCondLst>
                               <p:cond delay="0"/>
                             </p:stCondLst>
                             <p:childTnLst>
                               <p:par>
-                                <p:cTn id="19" presetID="1" presetClass="entr" presetSubtype="0" fill="hold" nodeType="clickEffect">
+                                <p:cTn id="25" presetID="1" presetClass="entr" presetSubtype="0" fill="hold" nodeType="clickEffect">
                                   <p:stCondLst>
                                     <p:cond delay="0"/>
                                   </p:stCondLst>
                                   <p:childTnLst>
                                     <p:set>
                                       <p:cBhvr>
-                                        <p:cTn id="20" dur="1" fill="hold">
+                                        <p:cTn id="26" dur="1" fill="hold">
                                           <p:stCondLst>
                                             <p:cond delay="0"/>
                                           </p:stCondLst>
@@ -28458,26 +28470,26 @@
                     </p:cTn>
                   </p:par>
                   <p:par>
-                    <p:cTn id="21" fill="hold">
+                    <p:cTn id="27" fill="hold">
                       <p:stCondLst>
                         <p:cond delay="indefinite"/>
                       </p:stCondLst>
                       <p:childTnLst>
                         <p:par>
-                          <p:cTn id="22" fill="hold">
+                          <p:cTn id="28" fill="hold">
                             <p:stCondLst>
                               <p:cond delay="0"/>
                             </p:stCondLst>
                             <p:childTnLst>
                               <p:par>
-                                <p:cTn id="23" presetID="1" presetClass="entr" presetSubtype="0" fill="hold" nodeType="clickEffect">
+                                <p:cTn id="29" presetID="1" presetClass="entr" presetSubtype="0" fill="hold" nodeType="clickEffect">
                                   <p:stCondLst>
                                     <p:cond delay="0"/>
                                   </p:stCondLst>
                                   <p:childTnLst>
                                     <p:set>
                                       <p:cBhvr>
-                                        <p:cTn id="24" dur="1" fill="hold">
+                                        <p:cTn id="30" dur="1" fill="hold">
                                           <p:stCondLst>
                                             <p:cond delay="0"/>
                                           </p:stCondLst>
@@ -28560,7 +28572,7 @@
         </p:nvSpPr>
         <p:spPr>
           <a:xfrm>
-            <a:off x="-11502" y="1198292"/>
+            <a:off x="171982" y="1135251"/>
             <a:ext cx="12131946" cy="5528766"/>
           </a:xfrm>
         </p:spPr>
@@ -28600,7 +28612,7 @@
               </a:buClr>
             </a:pPr>
             <a:r>
-              <a:rPr lang="ru-RU" sz="3300" b="1" dirty="0">
+              <a:rPr lang="ru-RU" sz="3100" b="1" dirty="0">
                 <a:solidFill>
                   <a:schemeClr val="bg1"/>
                 </a:solidFill>
@@ -28608,7 +28620,7 @@
               <a:t>Уникален идентификатор </a:t>
             </a:r>
             <a:r>
-              <a:rPr lang="ru-RU" sz="3300" dirty="0"/>
+              <a:rPr lang="ru-RU" sz="3100" dirty="0"/>
               <a:t>на всеки запис в таблицата</a:t>
             </a:r>
           </a:p>
@@ -28619,11 +28631,11 @@
               </a:buClr>
             </a:pPr>
             <a:r>
-              <a:rPr lang="ru-RU" sz="3300" dirty="0"/>
+              <a:rPr lang="ru-RU" sz="3100" dirty="0"/>
               <a:t>Гарантира </a:t>
             </a:r>
             <a:r>
-              <a:rPr lang="ru-RU" sz="3300" b="1" dirty="0">
+              <a:rPr lang="ru-RU" sz="3100" b="1" dirty="0">
                 <a:solidFill>
                   <a:schemeClr val="bg1"/>
                 </a:solidFill>
@@ -28631,7 +28643,7 @@
               <a:t>неповтарящи се </a:t>
             </a:r>
             <a:r>
-              <a:rPr lang="ru-RU" sz="3300" dirty="0"/>
+              <a:rPr lang="ru-RU" sz="3100" dirty="0"/>
               <a:t>идентификатори на записите</a:t>
             </a:r>
           </a:p>
@@ -28642,19 +28654,31 @@
               </a:buClr>
             </a:pPr>
             <a:r>
-              <a:rPr lang="ru-RU" sz="3300" b="1" dirty="0">
+              <a:rPr lang="ru-RU" sz="3100" dirty="0"/>
+              <a:t>Използва се за  </a:t>
+            </a:r>
+            <a:r>
+              <a:rPr lang="ru-RU" sz="3100" b="1" dirty="0" err="1">
                 <a:solidFill>
                   <a:schemeClr val="bg1"/>
                 </a:solidFill>
               </a:rPr>
-              <a:t>Бързо </a:t>
-            </a:r>
-            <a:r>
-              <a:rPr lang="ru-RU" sz="3300" dirty="0"/>
+              <a:t>бързо</a:t>
+            </a:r>
+            <a:r>
+              <a:rPr lang="ru-RU" sz="3100" b="1" dirty="0">
+                <a:solidFill>
+                  <a:schemeClr val="bg1"/>
+                </a:solidFill>
+              </a:rPr>
+              <a:t> </a:t>
+            </a:r>
+            <a:r>
+              <a:rPr lang="ru-RU" sz="3100" dirty="0"/>
               <a:t>и </a:t>
             </a:r>
             <a:r>
-              <a:rPr lang="ru-RU" sz="3300" b="1" dirty="0">
+              <a:rPr lang="ru-RU" sz="3100" b="1" dirty="0">
                 <a:solidFill>
                   <a:schemeClr val="bg1"/>
                 </a:solidFill>
@@ -28662,7 +28686,7 @@
               <a:t>ефективно </a:t>
             </a:r>
             <a:r>
-              <a:rPr lang="ru-RU" sz="3300" dirty="0"/>
+              <a:rPr lang="ru-RU" sz="3100" dirty="0"/>
               <a:t>извличане на конкретни записи</a:t>
             </a:r>
           </a:p>
@@ -28673,11 +28697,11 @@
               </a:buClr>
             </a:pPr>
             <a:r>
-              <a:rPr lang="ru-RU" sz="3300" dirty="0"/>
+              <a:rPr lang="ru-RU" sz="3100" dirty="0"/>
               <a:t>Обикновено се дефинира като </a:t>
             </a:r>
             <a:r>
-              <a:rPr lang="ru-RU" sz="3300" b="1" dirty="0">
+              <a:rPr lang="ru-RU" sz="3100" b="1" dirty="0">
                 <a:solidFill>
                   <a:schemeClr val="bg1"/>
                 </a:solidFill>
@@ -28685,18 +28709,18 @@
               <a:t>единично поле </a:t>
             </a:r>
             <a:r>
-              <a:rPr lang="ru-RU" sz="3300" dirty="0"/>
+              <a:rPr lang="ru-RU" sz="3100" dirty="0"/>
               <a:t>(например </a:t>
             </a:r>
             <a:r>
-              <a:rPr lang="ru-RU" sz="3300" b="1" dirty="0"/>
+              <a:rPr lang="ru-RU" sz="3100" b="1" dirty="0"/>
               <a:t>ID</a:t>
             </a:r>
             <a:r>
-              <a:rPr lang="ru-RU" sz="3300" dirty="0"/>
+              <a:rPr lang="ru-RU" sz="3100" dirty="0"/>
               <a:t>)</a:t>
             </a:r>
-            <a:endParaRPr lang="en-US" sz="3300" dirty="0"/>
+            <a:endParaRPr lang="en-US" sz="3100" dirty="0"/>
           </a:p>
         </p:txBody>
       </p:sp>
@@ -28740,7 +28764,7 @@
         </p:blipFill>
         <p:spPr bwMode="auto">
           <a:xfrm>
-            <a:off x="7825620" y="4805365"/>
+            <a:off x="7802041" y="4909829"/>
             <a:ext cx="1536536" cy="1548635"/>
           </a:xfrm>
           <a:prstGeom prst="rect">
@@ -28813,7 +28837,7 @@
         </p:blipFill>
         <p:spPr>
           <a:xfrm>
-            <a:off x="2766000" y="4554000"/>
+            <a:off x="2772513" y="4817229"/>
             <a:ext cx="3600714" cy="1998635"/>
           </a:xfrm>
           <a:prstGeom prst="rect">
@@ -28835,7 +28859,7 @@
         </p:nvSpPr>
         <p:spPr>
           <a:xfrm>
-            <a:off x="2871408" y="5025129"/>
+            <a:off x="2871408" y="5274347"/>
             <a:ext cx="3402924" cy="359653"/>
           </a:xfrm>
           <a:prstGeom prst="roundRect">
@@ -29721,7 +29745,7 @@
         <p:spPr bwMode="auto">
           <a:xfrm>
             <a:off x="7620000" y="4724400"/>
-            <a:ext cx="2362200" cy="985755"/>
+            <a:ext cx="3291000" cy="985755"/>
           </a:xfrm>
           <a:prstGeom prst="wedgeRoundRectCallout">
             <a:avLst>
@@ -29783,7 +29807,7 @@
                   </a:outerShdw>
                 </a:effectLst>
               </a:rPr>
-              <a:t>Нарастваща стойност</a:t>
+              <a:t>Нарастваща стойност (стъпка)</a:t>
             </a:r>
             <a:endParaRPr lang="bg-BG" sz="2800" b="1" noProof="1">
               <a:solidFill>
@@ -29884,7 +29908,7 @@
                             </p:stCondLst>
                             <p:childTnLst>
                               <p:par>
-                                <p:cTn id="5" presetID="1" presetClass="entr" presetSubtype="0" fill="hold" grpId="0" nodeType="clickEffect">
+                                <p:cTn id="5" presetID="1" presetClass="entr" presetSubtype="0" fill="hold" nodeType="clickEffect">
                                   <p:stCondLst>
                                     <p:cond delay="0"/>
                                   </p:stCondLst>
@@ -29897,7 +29921,11 @@
                                           </p:stCondLst>
                                         </p:cTn>
                                         <p:tgtEl>
-                                          <p:spTgt spid="5"/>
+                                          <p:spTgt spid="3">
+                                            <p:txEl>
+                                              <p:pRg st="1" end="1"/>
+                                            </p:txEl>
+                                          </p:spTgt>
                                         </p:tgtEl>
                                         <p:attrNameLst>
                                           <p:attrName>style.visibility</p:attrName>
@@ -29942,7 +29970,7 @@
                                           </p:stCondLst>
                                         </p:cTn>
                                         <p:tgtEl>
-                                          <p:spTgt spid="6"/>
+                                          <p:spTgt spid="5"/>
                                         </p:tgtEl>
                                         <p:attrNameLst>
                                           <p:attrName>style.visibility</p:attrName>
@@ -29982,6 +30010,51 @@
                                     <p:set>
                                       <p:cBhvr>
                                         <p:cTn id="14" dur="1" fill="hold">
+                                          <p:stCondLst>
+                                            <p:cond delay="0"/>
+                                          </p:stCondLst>
+                                        </p:cTn>
+                                        <p:tgtEl>
+                                          <p:spTgt spid="6"/>
+                                        </p:tgtEl>
+                                        <p:attrNameLst>
+                                          <p:attrName>style.visibility</p:attrName>
+                                        </p:attrNameLst>
+                                      </p:cBhvr>
+                                      <p:to>
+                                        <p:strVal val="visible"/>
+                                      </p:to>
+                                    </p:set>
+                                  </p:childTnLst>
+                                </p:cTn>
+                              </p:par>
+                            </p:childTnLst>
+                          </p:cTn>
+                        </p:par>
+                      </p:childTnLst>
+                    </p:cTn>
+                  </p:par>
+                  <p:par>
+                    <p:cTn id="15" fill="hold">
+                      <p:stCondLst>
+                        <p:cond delay="indefinite"/>
+                      </p:stCondLst>
+                      <p:childTnLst>
+                        <p:par>
+                          <p:cTn id="16" fill="hold">
+                            <p:stCondLst>
+                              <p:cond delay="0"/>
+                            </p:stCondLst>
+                            <p:childTnLst>
+                              <p:par>
+                                <p:cTn id="17" presetID="1" presetClass="entr" presetSubtype="0" fill="hold" grpId="0" nodeType="clickEffect">
+                                  <p:stCondLst>
+                                    <p:cond delay="0"/>
+                                  </p:stCondLst>
+                                  <p:childTnLst>
+                                    <p:set>
+                                      <p:cBhvr>
+                                        <p:cTn id="18" dur="1" fill="hold">
                                           <p:stCondLst>
                                             <p:cond delay="0"/>
                                           </p:stCondLst>
@@ -30394,548 +30467,6 @@
     <p:extLst>
       <p:ext uri="{BB962C8B-B14F-4D97-AF65-F5344CB8AC3E}">
         <p14:creationId xmlns:p14="http://schemas.microsoft.com/office/powerpoint/2010/main" val="3178357265"/>
-      </p:ext>
-    </p:extLst>
-  </p:cSld>
-  <p:clrMapOvr>
-    <a:masterClrMapping/>
-  </p:clrMapOvr>
-  <mc:AlternateContent xmlns:mc="http://schemas.openxmlformats.org/markup-compatibility/2006" xmlns:p14="http://schemas.microsoft.com/office/powerpoint/2010/main">
-    <mc:Choice Requires="p14">
-      <p:transition spd="slow" p14:dur="2000" advClick="0" advTm="5000"/>
-    </mc:Choice>
-    <mc:Fallback xmlns="">
-      <p:transition spd="slow" advClick="0" advTm="5000"/>
-    </mc:Fallback>
-  </mc:AlternateContent>
-  <p:timing>
-    <p:tnLst>
-      <p:par>
-        <p:cTn id="1" dur="indefinite" restart="never" nodeType="tmRoot">
-          <p:childTnLst>
-            <p:seq concurrent="1" nextAc="seek">
-              <p:cTn id="2" dur="indefinite" nodeType="mainSeq">
-                <p:childTnLst>
-                  <p:par>
-                    <p:cTn id="3" fill="hold">
-                      <p:stCondLst>
-                        <p:cond delay="indefinite"/>
-                      </p:stCondLst>
-                      <p:childTnLst>
-                        <p:par>
-                          <p:cTn id="4" fill="hold">
-                            <p:stCondLst>
-                              <p:cond delay="0"/>
-                            </p:stCondLst>
-                            <p:childTnLst>
-                              <p:par>
-                                <p:cTn id="5" presetID="1" presetClass="entr" presetSubtype="0" fill="hold" nodeType="clickEffect">
-                                  <p:stCondLst>
-                                    <p:cond delay="0"/>
-                                  </p:stCondLst>
-                                  <p:childTnLst>
-                                    <p:set>
-                                      <p:cBhvr>
-                                        <p:cTn id="6" dur="1" fill="hold">
-                                          <p:stCondLst>
-                                            <p:cond delay="0"/>
-                                          </p:stCondLst>
-                                        </p:cTn>
-                                        <p:tgtEl>
-                                          <p:spTgt spid="3">
-                                            <p:txEl>
-                                              <p:pRg st="2" end="2"/>
-                                            </p:txEl>
-                                          </p:spTgt>
-                                        </p:tgtEl>
-                                        <p:attrNameLst>
-                                          <p:attrName>style.visibility</p:attrName>
-                                        </p:attrNameLst>
-                                      </p:cBhvr>
-                                      <p:to>
-                                        <p:strVal val="visible"/>
-                                      </p:to>
-                                    </p:set>
-                                  </p:childTnLst>
-                                </p:cTn>
-                              </p:par>
-                              <p:par>
-                                <p:cTn id="7" presetID="1" presetClass="entr" presetSubtype="0" fill="hold" nodeType="withEffect">
-                                  <p:stCondLst>
-                                    <p:cond delay="0"/>
-                                  </p:stCondLst>
-                                  <p:childTnLst>
-                                    <p:set>
-                                      <p:cBhvr>
-                                        <p:cTn id="8" dur="1" fill="hold">
-                                          <p:stCondLst>
-                                            <p:cond delay="0"/>
-                                          </p:stCondLst>
-                                        </p:cTn>
-                                        <p:tgtEl>
-                                          <p:spTgt spid="3">
-                                            <p:txEl>
-                                              <p:pRg st="3" end="3"/>
-                                            </p:txEl>
-                                          </p:spTgt>
-                                        </p:tgtEl>
-                                        <p:attrNameLst>
-                                          <p:attrName>style.visibility</p:attrName>
-                                        </p:attrNameLst>
-                                      </p:cBhvr>
-                                      <p:to>
-                                        <p:strVal val="visible"/>
-                                      </p:to>
-                                    </p:set>
-                                  </p:childTnLst>
-                                </p:cTn>
-                              </p:par>
-                              <p:par>
-                                <p:cTn id="9" presetID="1" presetClass="entr" presetSubtype="0" fill="hold" nodeType="withEffect">
-                                  <p:stCondLst>
-                                    <p:cond delay="0"/>
-                                  </p:stCondLst>
-                                  <p:childTnLst>
-                                    <p:set>
-                                      <p:cBhvr>
-                                        <p:cTn id="10" dur="1" fill="hold">
-                                          <p:stCondLst>
-                                            <p:cond delay="0"/>
-                                          </p:stCondLst>
-                                        </p:cTn>
-                                        <p:tgtEl>
-                                          <p:spTgt spid="9"/>
-                                        </p:tgtEl>
-                                        <p:attrNameLst>
-                                          <p:attrName>style.visibility</p:attrName>
-                                        </p:attrNameLst>
-                                      </p:cBhvr>
-                                      <p:to>
-                                        <p:strVal val="visible"/>
-                                      </p:to>
-                                    </p:set>
-                                  </p:childTnLst>
-                                </p:cTn>
-                              </p:par>
-                            </p:childTnLst>
-                          </p:cTn>
-                        </p:par>
-                      </p:childTnLst>
-                    </p:cTn>
-                  </p:par>
-                  <p:par>
-                    <p:cTn id="11" fill="hold">
-                      <p:stCondLst>
-                        <p:cond delay="indefinite"/>
-                      </p:stCondLst>
-                      <p:childTnLst>
-                        <p:par>
-                          <p:cTn id="12" fill="hold">
-                            <p:stCondLst>
-                              <p:cond delay="0"/>
-                            </p:stCondLst>
-                            <p:childTnLst>
-                              <p:par>
-                                <p:cTn id="13" presetID="1" presetClass="entr" presetSubtype="0" fill="hold" grpId="0" nodeType="clickEffect">
-                                  <p:stCondLst>
-                                    <p:cond delay="0"/>
-                                  </p:stCondLst>
-                                  <p:childTnLst>
-                                    <p:set>
-                                      <p:cBhvr>
-                                        <p:cTn id="14" dur="1" fill="hold">
-                                          <p:stCondLst>
-                                            <p:cond delay="0"/>
-                                          </p:stCondLst>
-                                        </p:cTn>
-                                        <p:tgtEl>
-                                          <p:spTgt spid="7"/>
-                                        </p:tgtEl>
-                                        <p:attrNameLst>
-                                          <p:attrName>style.visibility</p:attrName>
-                                        </p:attrNameLst>
-                                      </p:cBhvr>
-                                      <p:to>
-                                        <p:strVal val="visible"/>
-                                      </p:to>
-                                    </p:set>
-                                  </p:childTnLst>
-                                </p:cTn>
-                              </p:par>
-                            </p:childTnLst>
-                          </p:cTn>
-                        </p:par>
-                      </p:childTnLst>
-                    </p:cTn>
-                  </p:par>
-                  <p:par>
-                    <p:cTn id="15" fill="hold">
-                      <p:stCondLst>
-                        <p:cond delay="indefinite"/>
-                      </p:stCondLst>
-                      <p:childTnLst>
-                        <p:par>
-                          <p:cTn id="16" fill="hold">
-                            <p:stCondLst>
-                              <p:cond delay="0"/>
-                            </p:stCondLst>
-                            <p:childTnLst>
-                              <p:par>
-                                <p:cTn id="17" presetID="1" presetClass="entr" presetSubtype="0" fill="hold" nodeType="clickEffect">
-                                  <p:stCondLst>
-                                    <p:cond delay="0"/>
-                                  </p:stCondLst>
-                                  <p:childTnLst>
-                                    <p:set>
-                                      <p:cBhvr>
-                                        <p:cTn id="18" dur="1" fill="hold">
-                                          <p:stCondLst>
-                                            <p:cond delay="0"/>
-                                          </p:stCondLst>
-                                        </p:cTn>
-                                        <p:tgtEl>
-                                          <p:spTgt spid="3">
-                                            <p:txEl>
-                                              <p:pRg st="4" end="4"/>
-                                            </p:txEl>
-                                          </p:spTgt>
-                                        </p:tgtEl>
-                                        <p:attrNameLst>
-                                          <p:attrName>style.visibility</p:attrName>
-                                        </p:attrNameLst>
-                                      </p:cBhvr>
-                                      <p:to>
-                                        <p:strVal val="visible"/>
-                                      </p:to>
-                                    </p:set>
-                                  </p:childTnLst>
-                                </p:cTn>
-                              </p:par>
-                              <p:par>
-                                <p:cTn id="19" presetID="1" presetClass="entr" presetSubtype="0" fill="hold" nodeType="withEffect">
-                                  <p:stCondLst>
-                                    <p:cond delay="0"/>
-                                  </p:stCondLst>
-                                  <p:childTnLst>
-                                    <p:set>
-                                      <p:cBhvr>
-                                        <p:cTn id="20" dur="1" fill="hold">
-                                          <p:stCondLst>
-                                            <p:cond delay="0"/>
-                                          </p:stCondLst>
-                                        </p:cTn>
-                                        <p:tgtEl>
-                                          <p:spTgt spid="3">
-                                            <p:txEl>
-                                              <p:pRg st="5" end="5"/>
-                                            </p:txEl>
-                                          </p:spTgt>
-                                        </p:tgtEl>
-                                        <p:attrNameLst>
-                                          <p:attrName>style.visibility</p:attrName>
-                                        </p:attrNameLst>
-                                      </p:cBhvr>
-                                      <p:to>
-                                        <p:strVal val="visible"/>
-                                      </p:to>
-                                    </p:set>
-                                  </p:childTnLst>
-                                </p:cTn>
-                              </p:par>
-                            </p:childTnLst>
-                          </p:cTn>
-                        </p:par>
-                      </p:childTnLst>
-                    </p:cTn>
-                  </p:par>
-                </p:childTnLst>
-              </p:cTn>
-              <p:prevCondLst>
-                <p:cond evt="onPrev" delay="0">
-                  <p:tgtEl>
-                    <p:sldTgt/>
-                  </p:tgtEl>
-                </p:cond>
-              </p:prevCondLst>
-              <p:nextCondLst>
-                <p:cond evt="onNext" delay="0">
-                  <p:tgtEl>
-                    <p:sldTgt/>
-                  </p:tgtEl>
-                </p:cond>
-              </p:nextCondLst>
-            </p:seq>
-          </p:childTnLst>
-        </p:cTn>
-      </p:par>
-    </p:tnLst>
-    <p:bldLst>
-      <p:bldP spid="7" grpId="0" animBg="1"/>
-    </p:bldLst>
-  </p:timing>
-</p:sld>
-</file>
-
-<file path=ppt/slides/slide9.xml><?xml version="1.0" encoding="utf-8"?>
-<p:sld xmlns:a="http://schemas.openxmlformats.org/drawingml/2006/main" xmlns:r="http://schemas.openxmlformats.org/officeDocument/2006/relationships" xmlns:p="http://schemas.openxmlformats.org/presentationml/2006/main">
-  <p:cSld>
-    <p:spTree>
-      <p:nvGrpSpPr>
-        <p:cNvPr id="1" name=""/>
-        <p:cNvGrpSpPr/>
-        <p:nvPr/>
-      </p:nvGrpSpPr>
-      <p:grpSpPr>
-        <a:xfrm>
-          <a:off x="0" y="0"/>
-          <a:ext cx="0" cy="0"/>
-          <a:chOff x="0" y="0"/>
-          <a:chExt cx="0" cy="0"/>
-        </a:xfrm>
-      </p:grpSpPr>
-      <p:sp>
-        <p:nvSpPr>
-          <p:cNvPr id="3" name="Text Placeholder 2"/>
-          <p:cNvSpPr>
-            <a:spLocks noGrp="1"/>
-          </p:cNvSpPr>
-          <p:nvPr>
-            <p:ph type="body" sz="quarter" idx="10"/>
-          </p:nvPr>
-        </p:nvSpPr>
-        <p:spPr/>
-        <p:txBody>
-          <a:bodyPr/>
-          <a:lstStyle/>
-          <a:p>
-            <a:pPr>
-              <a:buClr>
-                <a:schemeClr val="tx2"/>
-              </a:buClr>
-            </a:pPr>
-            <a:r>
-              <a:rPr lang="bg-BG" b="1" dirty="0">
-                <a:solidFill>
-                  <a:schemeClr val="bg1"/>
-                </a:solidFill>
-              </a:rPr>
-              <a:t>Външен ключ </a:t>
-            </a:r>
-            <a:r>
-              <a:rPr lang="bg-BG" dirty="0"/>
-              <a:t>(</a:t>
-            </a:r>
-            <a:r>
-              <a:rPr lang="en-US" dirty="0"/>
-              <a:t>Foreign Key)</a:t>
-            </a:r>
-            <a:endParaRPr lang="bg-BG" dirty="0"/>
-          </a:p>
-          <a:p>
-            <a:pPr lvl="1">
-              <a:buClr>
-                <a:schemeClr val="tx2"/>
-              </a:buClr>
-            </a:pPr>
-            <a:r>
-              <a:rPr lang="ru-RU" dirty="0"/>
-              <a:t>Осигурява връзка между данните в различни таблици</a:t>
-            </a:r>
-            <a:r>
-              <a:rPr lang="en-US" dirty="0"/>
-              <a:t> </a:t>
-            </a:r>
-            <a:r>
-              <a:rPr lang="ru-RU" dirty="0"/>
-              <a:t>(например </a:t>
-            </a:r>
-            <a:r>
-              <a:rPr lang="en-US" b="1" dirty="0">
-                <a:solidFill>
-                  <a:schemeClr val="bg1"/>
-                </a:solidFill>
-              </a:rPr>
-              <a:t>Product</a:t>
-            </a:r>
-            <a:r>
-              <a:rPr lang="en-US" dirty="0"/>
-              <a:t> -&gt;</a:t>
-            </a:r>
-            <a:r>
-              <a:rPr lang="bg-BG" dirty="0"/>
-              <a:t> </a:t>
-            </a:r>
-            <a:r>
-              <a:rPr lang="en-US" b="1" dirty="0">
-                <a:solidFill>
-                  <a:schemeClr val="bg1"/>
-                </a:solidFill>
-              </a:rPr>
-              <a:t>Category</a:t>
-            </a:r>
-            <a:r>
-              <a:rPr lang="en-US" dirty="0"/>
-              <a:t>)</a:t>
-            </a:r>
-          </a:p>
-          <a:p>
-            <a:pPr lvl="1">
-              <a:buClr>
-                <a:schemeClr val="tx2"/>
-              </a:buClr>
-            </a:pPr>
-            <a:r>
-              <a:rPr lang="ru-RU" dirty="0"/>
-              <a:t>Позволява изграждане на </a:t>
-            </a:r>
-            <a:r>
-              <a:rPr lang="ru-RU" b="1" dirty="0">
-                <a:solidFill>
-                  <a:schemeClr val="bg1"/>
-                </a:solidFill>
-              </a:rPr>
-              <a:t>релационни връзки</a:t>
-            </a:r>
-            <a:endParaRPr lang="en-US" b="1" dirty="0">
-              <a:solidFill>
-                <a:schemeClr val="bg1"/>
-              </a:solidFill>
-            </a:endParaRPr>
-          </a:p>
-          <a:p>
-            <a:pPr lvl="1">
-              <a:buClr>
-                <a:schemeClr val="tx2"/>
-              </a:buClr>
-            </a:pPr>
-            <a:r>
-              <a:rPr lang="bg-BG" dirty="0"/>
-              <a:t>П</a:t>
-            </a:r>
-            <a:r>
-              <a:rPr lang="ru-RU" dirty="0"/>
-              <a:t>оддръжка на </a:t>
-            </a:r>
-            <a:r>
-              <a:rPr lang="ru-RU" b="1" dirty="0">
-                <a:solidFill>
-                  <a:schemeClr val="bg1"/>
-                </a:solidFill>
-              </a:rPr>
-              <a:t>цялост</a:t>
-            </a:r>
-            <a:r>
-              <a:rPr lang="ru-RU" dirty="0"/>
-              <a:t> на данните</a:t>
-            </a:r>
-            <a:endParaRPr lang="bg-BG" dirty="0"/>
-          </a:p>
-          <a:p>
-            <a:pPr lvl="1"/>
-            <a:endParaRPr lang="en-US" dirty="0"/>
-          </a:p>
-        </p:txBody>
-      </p:sp>
-      <p:sp>
-        <p:nvSpPr>
-          <p:cNvPr id="4" name="Title 3"/>
-          <p:cNvSpPr>
-            <a:spLocks noGrp="1"/>
-          </p:cNvSpPr>
-          <p:nvPr>
-            <p:ph type="title"/>
-          </p:nvPr>
-        </p:nvSpPr>
-        <p:spPr/>
-        <p:txBody>
-          <a:bodyPr/>
-          <a:lstStyle/>
-          <a:p>
-            <a:r>
-              <a:rPr lang="bg-BG" dirty="0"/>
-              <a:t>Външен ключ</a:t>
-            </a:r>
-            <a:endParaRPr lang="en-US" dirty="0"/>
-          </a:p>
-        </p:txBody>
-      </p:sp>
-      <p:pic>
-        <p:nvPicPr>
-          <p:cNvPr id="7" name="Picture 4" descr="One is to many relationship in SQL Server Management studio - Stack Overflow"/>
-          <p:cNvPicPr>
-            <a:picLocks noChangeAspect="1" noChangeArrowheads="1"/>
-          </p:cNvPicPr>
-          <p:nvPr/>
-        </p:nvPicPr>
-        <p:blipFill>
-          <a:blip r:embed="rId2" cstate="print"/>
-          <a:srcRect l="7514" t="22657" r="27273" b="37694"/>
-          <a:stretch>
-            <a:fillRect/>
-          </a:stretch>
-        </p:blipFill>
-        <p:spPr bwMode="auto">
-          <a:xfrm>
-            <a:off x="2327788" y="4425621"/>
-            <a:ext cx="7714226" cy="2239612"/>
-          </a:xfrm>
-          <a:prstGeom prst="rect">
-            <a:avLst/>
-          </a:prstGeom>
-          <a:noFill/>
-          <a:ln>
-            <a:solidFill>
-              <a:schemeClr val="bg2"/>
-            </a:solidFill>
-          </a:ln>
-        </p:spPr>
-      </p:pic>
-      <p:sp>
-        <p:nvSpPr>
-          <p:cNvPr id="5" name="Slide Number">
-            <a:extLst>
-              <a:ext uri="{FF2B5EF4-FFF2-40B4-BE49-F238E27FC236}">
-                <a16:creationId xmlns:a16="http://schemas.microsoft.com/office/drawing/2014/main" id="{FBE304A8-0B04-306D-84FE-0552EAF95D6C}"/>
-              </a:ext>
-            </a:extLst>
-          </p:cNvPr>
-          <p:cNvSpPr>
-            <a:spLocks noGrp="1"/>
-          </p:cNvSpPr>
-          <p:nvPr>
-            <p:ph type="sldNum" sz="quarter" idx="5"/>
-          </p:nvPr>
-        </p:nvSpPr>
-        <p:spPr>
-          <a:xfrm>
-            <a:off x="11753030" y="6507000"/>
-            <a:ext cx="367414" cy="297000"/>
-          </a:xfrm>
-          <a:prstGeom prst="rect">
-            <a:avLst/>
-          </a:prstGeom>
-        </p:spPr>
-        <p:txBody>
-          <a:bodyPr vert="horz" lIns="91440" tIns="45720" rIns="91440" bIns="45720" rtlCol="0" anchor="b"/>
-          <a:lstStyle>
-            <a:lvl1pPr algn="r">
-              <a:defRPr sz="1000"/>
-            </a:lvl1pPr>
-          </a:lstStyle>
-          <a:p>
-            <a:fld id="{2BF067CD-8E6B-4360-9AA8-C5DF2A48A6D1}" type="slidenum">
-              <a:rPr lang="en-US" noProof="0" smtClean="0"/>
-              <a:pPr/>
-              <a:t>9</a:t>
-            </a:fld>
-            <a:endParaRPr lang="en-US" noProof="0" dirty="0"/>
-          </a:p>
-        </p:txBody>
-      </p:sp>
-    </p:spTree>
-    <p:extLst>
-      <p:ext uri="{BB962C8B-B14F-4D97-AF65-F5344CB8AC3E}">
-        <p14:creationId xmlns:p14="http://schemas.microsoft.com/office/powerpoint/2010/main" val="3960804656"/>
       </p:ext>
     </p:extLst>
   </p:cSld>
@@ -31050,6 +30581,33 @@
                                   </p:childTnLst>
                                 </p:cTn>
                               </p:par>
+                              <p:par>
+                                <p:cTn id="11" presetID="1" presetClass="entr" presetSubtype="0" fill="hold" nodeType="withEffect">
+                                  <p:stCondLst>
+                                    <p:cond delay="0"/>
+                                  </p:stCondLst>
+                                  <p:childTnLst>
+                                    <p:set>
+                                      <p:cBhvr>
+                                        <p:cTn id="12" dur="1" fill="hold">
+                                          <p:stCondLst>
+                                            <p:cond delay="0"/>
+                                          </p:stCondLst>
+                                        </p:cTn>
+                                        <p:tgtEl>
+                                          <p:spTgt spid="9"/>
+                                        </p:tgtEl>
+                                        <p:attrNameLst>
+                                          <p:attrName>style.visibility</p:attrName>
+                                        </p:attrNameLst>
+                                      </p:cBhvr>
+                                      <p:to>
+                                        <p:strVal val="visible"/>
+                                      </p:to>
+                                    </p:set>
+                                  </p:childTnLst>
+                                </p:cTn>
+                              </p:par>
                             </p:childTnLst>
                           </p:cTn>
                         </p:par>
@@ -31057,26 +30615,504 @@
                     </p:cTn>
                   </p:par>
                   <p:par>
-                    <p:cTn id="11" fill="hold">
+                    <p:cTn id="13" fill="hold">
                       <p:stCondLst>
                         <p:cond delay="indefinite"/>
                       </p:stCondLst>
                       <p:childTnLst>
                         <p:par>
-                          <p:cTn id="12" fill="hold">
+                          <p:cTn id="14" fill="hold">
                             <p:stCondLst>
                               <p:cond delay="0"/>
                             </p:stCondLst>
                             <p:childTnLst>
                               <p:par>
-                                <p:cTn id="13" presetID="1" presetClass="entr" presetSubtype="0" fill="hold" nodeType="clickEffect">
+                                <p:cTn id="15" presetID="1" presetClass="entr" presetSubtype="0" fill="hold" grpId="0" nodeType="clickEffect">
                                   <p:stCondLst>
                                     <p:cond delay="0"/>
                                   </p:stCondLst>
                                   <p:childTnLst>
                                     <p:set>
                                       <p:cBhvr>
-                                        <p:cTn id="14" dur="1" fill="hold">
+                                        <p:cTn id="16" dur="1" fill="hold">
+                                          <p:stCondLst>
+                                            <p:cond delay="0"/>
+                                          </p:stCondLst>
+                                        </p:cTn>
+                                        <p:tgtEl>
+                                          <p:spTgt spid="7"/>
+                                        </p:tgtEl>
+                                        <p:attrNameLst>
+                                          <p:attrName>style.visibility</p:attrName>
+                                        </p:attrNameLst>
+                                      </p:cBhvr>
+                                      <p:to>
+                                        <p:strVal val="visible"/>
+                                      </p:to>
+                                    </p:set>
+                                  </p:childTnLst>
+                                </p:cTn>
+                              </p:par>
+                            </p:childTnLst>
+                          </p:cTn>
+                        </p:par>
+                      </p:childTnLst>
+                    </p:cTn>
+                  </p:par>
+                  <p:par>
+                    <p:cTn id="17" fill="hold">
+                      <p:stCondLst>
+                        <p:cond delay="indefinite"/>
+                      </p:stCondLst>
+                      <p:childTnLst>
+                        <p:par>
+                          <p:cTn id="18" fill="hold">
+                            <p:stCondLst>
+                              <p:cond delay="0"/>
+                            </p:stCondLst>
+                            <p:childTnLst>
+                              <p:par>
+                                <p:cTn id="19" presetID="1" presetClass="entr" presetSubtype="0" fill="hold" nodeType="clickEffect">
+                                  <p:stCondLst>
+                                    <p:cond delay="0"/>
+                                  </p:stCondLst>
+                                  <p:childTnLst>
+                                    <p:set>
+                                      <p:cBhvr>
+                                        <p:cTn id="20" dur="1" fill="hold">
+                                          <p:stCondLst>
+                                            <p:cond delay="0"/>
+                                          </p:stCondLst>
+                                        </p:cTn>
+                                        <p:tgtEl>
+                                          <p:spTgt spid="3">
+                                            <p:txEl>
+                                              <p:pRg st="4" end="4"/>
+                                            </p:txEl>
+                                          </p:spTgt>
+                                        </p:tgtEl>
+                                        <p:attrNameLst>
+                                          <p:attrName>style.visibility</p:attrName>
+                                        </p:attrNameLst>
+                                      </p:cBhvr>
+                                      <p:to>
+                                        <p:strVal val="visible"/>
+                                      </p:to>
+                                    </p:set>
+                                  </p:childTnLst>
+                                </p:cTn>
+                              </p:par>
+                            </p:childTnLst>
+                          </p:cTn>
+                        </p:par>
+                      </p:childTnLst>
+                    </p:cTn>
+                  </p:par>
+                  <p:par>
+                    <p:cTn id="21" fill="hold">
+                      <p:stCondLst>
+                        <p:cond delay="indefinite"/>
+                      </p:stCondLst>
+                      <p:childTnLst>
+                        <p:par>
+                          <p:cTn id="22" fill="hold">
+                            <p:stCondLst>
+                              <p:cond delay="0"/>
+                            </p:stCondLst>
+                            <p:childTnLst>
+                              <p:par>
+                                <p:cTn id="23" presetID="1" presetClass="entr" presetSubtype="0" fill="hold" nodeType="clickEffect">
+                                  <p:stCondLst>
+                                    <p:cond delay="0"/>
+                                  </p:stCondLst>
+                                  <p:childTnLst>
+                                    <p:set>
+                                      <p:cBhvr>
+                                        <p:cTn id="24" dur="1" fill="hold">
+                                          <p:stCondLst>
+                                            <p:cond delay="0"/>
+                                          </p:stCondLst>
+                                        </p:cTn>
+                                        <p:tgtEl>
+                                          <p:spTgt spid="3">
+                                            <p:txEl>
+                                              <p:pRg st="5" end="5"/>
+                                            </p:txEl>
+                                          </p:spTgt>
+                                        </p:tgtEl>
+                                        <p:attrNameLst>
+                                          <p:attrName>style.visibility</p:attrName>
+                                        </p:attrNameLst>
+                                      </p:cBhvr>
+                                      <p:to>
+                                        <p:strVal val="visible"/>
+                                      </p:to>
+                                    </p:set>
+                                  </p:childTnLst>
+                                </p:cTn>
+                              </p:par>
+                            </p:childTnLst>
+                          </p:cTn>
+                        </p:par>
+                      </p:childTnLst>
+                    </p:cTn>
+                  </p:par>
+                </p:childTnLst>
+              </p:cTn>
+              <p:prevCondLst>
+                <p:cond evt="onPrev" delay="0">
+                  <p:tgtEl>
+                    <p:sldTgt/>
+                  </p:tgtEl>
+                </p:cond>
+              </p:prevCondLst>
+              <p:nextCondLst>
+                <p:cond evt="onNext" delay="0">
+                  <p:tgtEl>
+                    <p:sldTgt/>
+                  </p:tgtEl>
+                </p:cond>
+              </p:nextCondLst>
+            </p:seq>
+          </p:childTnLst>
+        </p:cTn>
+      </p:par>
+    </p:tnLst>
+    <p:bldLst>
+      <p:bldP spid="7" grpId="0" animBg="1"/>
+    </p:bldLst>
+  </p:timing>
+</p:sld>
+</file>
+
+<file path=ppt/slides/slide9.xml><?xml version="1.0" encoding="utf-8"?>
+<p:sld xmlns:a="http://schemas.openxmlformats.org/drawingml/2006/main" xmlns:r="http://schemas.openxmlformats.org/officeDocument/2006/relationships" xmlns:p="http://schemas.openxmlformats.org/presentationml/2006/main">
+  <p:cSld>
+    <p:spTree>
+      <p:nvGrpSpPr>
+        <p:cNvPr id="1" name=""/>
+        <p:cNvGrpSpPr/>
+        <p:nvPr/>
+      </p:nvGrpSpPr>
+      <p:grpSpPr>
+        <a:xfrm>
+          <a:off x="0" y="0"/>
+          <a:ext cx="0" cy="0"/>
+          <a:chOff x="0" y="0"/>
+          <a:chExt cx="0" cy="0"/>
+        </a:xfrm>
+      </p:grpSpPr>
+      <p:sp>
+        <p:nvSpPr>
+          <p:cNvPr id="3" name="Text Placeholder 2"/>
+          <p:cNvSpPr>
+            <a:spLocks noGrp="1"/>
+          </p:cNvSpPr>
+          <p:nvPr>
+            <p:ph type="body" sz="quarter" idx="10"/>
+          </p:nvPr>
+        </p:nvSpPr>
+        <p:spPr/>
+        <p:txBody>
+          <a:bodyPr/>
+          <a:lstStyle/>
+          <a:p>
+            <a:pPr>
+              <a:buClr>
+                <a:schemeClr val="tx2"/>
+              </a:buClr>
+            </a:pPr>
+            <a:r>
+              <a:rPr lang="bg-BG" b="1" dirty="0">
+                <a:solidFill>
+                  <a:schemeClr val="bg1"/>
+                </a:solidFill>
+              </a:rPr>
+              <a:t>Външен ключ </a:t>
+            </a:r>
+            <a:r>
+              <a:rPr lang="bg-BG" dirty="0"/>
+              <a:t>(</a:t>
+            </a:r>
+            <a:r>
+              <a:rPr lang="en-US" dirty="0"/>
+              <a:t>Foreign Key)</a:t>
+            </a:r>
+            <a:endParaRPr lang="bg-BG" dirty="0"/>
+          </a:p>
+          <a:p>
+            <a:pPr lvl="1">
+              <a:buClr>
+                <a:schemeClr val="tx2"/>
+              </a:buClr>
+            </a:pPr>
+            <a:r>
+              <a:rPr lang="ru-RU" dirty="0"/>
+              <a:t>Осигурява връзка между данните в различни таблици</a:t>
+            </a:r>
+            <a:r>
+              <a:rPr lang="en-US" dirty="0"/>
+              <a:t> </a:t>
+            </a:r>
+            <a:r>
+              <a:rPr lang="ru-RU" dirty="0"/>
+              <a:t>(например </a:t>
+            </a:r>
+            <a:r>
+              <a:rPr lang="en-US" b="1" dirty="0">
+                <a:solidFill>
+                  <a:schemeClr val="bg1"/>
+                </a:solidFill>
+              </a:rPr>
+              <a:t>Product</a:t>
+            </a:r>
+            <a:r>
+              <a:rPr lang="en-US" dirty="0"/>
+              <a:t> -&gt;</a:t>
+            </a:r>
+            <a:r>
+              <a:rPr lang="bg-BG" dirty="0"/>
+              <a:t> </a:t>
+            </a:r>
+            <a:r>
+              <a:rPr lang="en-US" b="1" dirty="0">
+                <a:solidFill>
+                  <a:schemeClr val="bg1"/>
+                </a:solidFill>
+              </a:rPr>
+              <a:t>Category</a:t>
+            </a:r>
+            <a:r>
+              <a:rPr lang="en-US" dirty="0"/>
+              <a:t>)</a:t>
+            </a:r>
+          </a:p>
+          <a:p>
+            <a:pPr lvl="1">
+              <a:buClr>
+                <a:schemeClr val="tx2"/>
+              </a:buClr>
+            </a:pPr>
+            <a:r>
+              <a:rPr lang="bg-BG" dirty="0"/>
+              <a:t>П</a:t>
+            </a:r>
+            <a:r>
+              <a:rPr lang="ru-RU" dirty="0"/>
+              <a:t>оддръжка на </a:t>
+            </a:r>
+            <a:r>
+              <a:rPr lang="ru-RU" b="1" dirty="0">
+                <a:solidFill>
+                  <a:schemeClr val="bg1"/>
+                </a:solidFill>
+              </a:rPr>
+              <a:t>цялост</a:t>
+            </a:r>
+            <a:r>
+              <a:rPr lang="ru-RU" dirty="0"/>
+              <a:t> на данните</a:t>
+            </a:r>
+            <a:endParaRPr lang="bg-BG" dirty="0"/>
+          </a:p>
+          <a:p>
+            <a:pPr lvl="1"/>
+            <a:endParaRPr lang="en-US" dirty="0"/>
+          </a:p>
+        </p:txBody>
+      </p:sp>
+      <p:sp>
+        <p:nvSpPr>
+          <p:cNvPr id="4" name="Title 3"/>
+          <p:cNvSpPr>
+            <a:spLocks noGrp="1"/>
+          </p:cNvSpPr>
+          <p:nvPr>
+            <p:ph type="title"/>
+          </p:nvPr>
+        </p:nvSpPr>
+        <p:spPr/>
+        <p:txBody>
+          <a:bodyPr/>
+          <a:lstStyle/>
+          <a:p>
+            <a:r>
+              <a:rPr lang="bg-BG" dirty="0"/>
+              <a:t>Външен ключ</a:t>
+            </a:r>
+            <a:endParaRPr lang="en-US" dirty="0"/>
+          </a:p>
+        </p:txBody>
+      </p:sp>
+      <p:pic>
+        <p:nvPicPr>
+          <p:cNvPr id="7" name="Picture 4" descr="One is to many relationship in SQL Server Management studio - Stack Overflow"/>
+          <p:cNvPicPr>
+            <a:picLocks noChangeAspect="1" noChangeArrowheads="1"/>
+          </p:cNvPicPr>
+          <p:nvPr/>
+        </p:nvPicPr>
+        <p:blipFill>
+          <a:blip r:embed="rId2" cstate="print"/>
+          <a:srcRect l="7514" t="22657" r="27273" b="37694"/>
+          <a:stretch>
+            <a:fillRect/>
+          </a:stretch>
+        </p:blipFill>
+        <p:spPr bwMode="auto">
+          <a:xfrm>
+            <a:off x="2451000" y="3960508"/>
+            <a:ext cx="7714226" cy="2239612"/>
+          </a:xfrm>
+          <a:prstGeom prst="rect">
+            <a:avLst/>
+          </a:prstGeom>
+          <a:noFill/>
+          <a:ln>
+            <a:solidFill>
+              <a:schemeClr val="bg2"/>
+            </a:solidFill>
+          </a:ln>
+        </p:spPr>
+      </p:pic>
+      <p:sp>
+        <p:nvSpPr>
+          <p:cNvPr id="5" name="Slide Number">
+            <a:extLst>
+              <a:ext uri="{FF2B5EF4-FFF2-40B4-BE49-F238E27FC236}">
+                <a16:creationId xmlns:a16="http://schemas.microsoft.com/office/drawing/2014/main" id="{FBE304A8-0B04-306D-84FE-0552EAF95D6C}"/>
+              </a:ext>
+            </a:extLst>
+          </p:cNvPr>
+          <p:cNvSpPr>
+            <a:spLocks noGrp="1"/>
+          </p:cNvSpPr>
+          <p:nvPr>
+            <p:ph type="sldNum" sz="quarter" idx="5"/>
+          </p:nvPr>
+        </p:nvSpPr>
+        <p:spPr>
+          <a:xfrm>
+            <a:off x="11753030" y="6507000"/>
+            <a:ext cx="367414" cy="297000"/>
+          </a:xfrm>
+          <a:prstGeom prst="rect">
+            <a:avLst/>
+          </a:prstGeom>
+        </p:spPr>
+        <p:txBody>
+          <a:bodyPr vert="horz" lIns="91440" tIns="45720" rIns="91440" bIns="45720" rtlCol="0" anchor="b"/>
+          <a:lstStyle>
+            <a:lvl1pPr algn="r">
+              <a:defRPr sz="1000"/>
+            </a:lvl1pPr>
+          </a:lstStyle>
+          <a:p>
+            <a:fld id="{2BF067CD-8E6B-4360-9AA8-C5DF2A48A6D1}" type="slidenum">
+              <a:rPr lang="en-US" noProof="0" smtClean="0"/>
+              <a:pPr/>
+              <a:t>9</a:t>
+            </a:fld>
+            <a:endParaRPr lang="en-US" noProof="0" dirty="0"/>
+          </a:p>
+        </p:txBody>
+      </p:sp>
+    </p:spTree>
+    <p:extLst>
+      <p:ext uri="{BB962C8B-B14F-4D97-AF65-F5344CB8AC3E}">
+        <p14:creationId xmlns:p14="http://schemas.microsoft.com/office/powerpoint/2010/main" val="3960804656"/>
+      </p:ext>
+    </p:extLst>
+  </p:cSld>
+  <p:clrMapOvr>
+    <a:masterClrMapping/>
+  </p:clrMapOvr>
+  <mc:AlternateContent xmlns:mc="http://schemas.openxmlformats.org/markup-compatibility/2006" xmlns:p14="http://schemas.microsoft.com/office/powerpoint/2010/main">
+    <mc:Choice Requires="p14">
+      <p:transition spd="slow" p14:dur="2000" advClick="0" advTm="5000"/>
+    </mc:Choice>
+    <mc:Fallback xmlns="">
+      <p:transition spd="slow" advClick="0" advTm="5000"/>
+    </mc:Fallback>
+  </mc:AlternateContent>
+  <p:timing>
+    <p:tnLst>
+      <p:par>
+        <p:cTn id="1" dur="indefinite" restart="never" nodeType="tmRoot">
+          <p:childTnLst>
+            <p:seq concurrent="1" nextAc="seek">
+              <p:cTn id="2" dur="indefinite" nodeType="mainSeq">
+                <p:childTnLst>
+                  <p:par>
+                    <p:cTn id="3" fill="hold">
+                      <p:stCondLst>
+                        <p:cond delay="indefinite"/>
+                      </p:stCondLst>
+                      <p:childTnLst>
+                        <p:par>
+                          <p:cTn id="4" fill="hold">
+                            <p:stCondLst>
+                              <p:cond delay="0"/>
+                            </p:stCondLst>
+                            <p:childTnLst>
+                              <p:par>
+                                <p:cTn id="5" presetID="1" presetClass="entr" presetSubtype="0" fill="hold" nodeType="clickEffect">
+                                  <p:stCondLst>
+                                    <p:cond delay="0"/>
+                                  </p:stCondLst>
+                                  <p:childTnLst>
+                                    <p:set>
+                                      <p:cBhvr>
+                                        <p:cTn id="6" dur="1" fill="hold">
+                                          <p:stCondLst>
+                                            <p:cond delay="0"/>
+                                          </p:stCondLst>
+                                        </p:cTn>
+                                        <p:tgtEl>
+                                          <p:spTgt spid="3">
+                                            <p:txEl>
+                                              <p:pRg st="2" end="2"/>
+                                            </p:txEl>
+                                          </p:spTgt>
+                                        </p:tgtEl>
+                                        <p:attrNameLst>
+                                          <p:attrName>style.visibility</p:attrName>
+                                        </p:attrNameLst>
+                                      </p:cBhvr>
+                                      <p:to>
+                                        <p:strVal val="visible"/>
+                                      </p:to>
+                                    </p:set>
+                                  </p:childTnLst>
+                                </p:cTn>
+                              </p:par>
+                            </p:childTnLst>
+                          </p:cTn>
+                        </p:par>
+                      </p:childTnLst>
+                    </p:cTn>
+                  </p:par>
+                  <p:par>
+                    <p:cTn id="7" fill="hold">
+                      <p:stCondLst>
+                        <p:cond delay="indefinite"/>
+                      </p:stCondLst>
+                      <p:childTnLst>
+                        <p:par>
+                          <p:cTn id="8" fill="hold">
+                            <p:stCondLst>
+                              <p:cond delay="0"/>
+                            </p:stCondLst>
+                            <p:childTnLst>
+                              <p:par>
+                                <p:cTn id="9" presetID="1" presetClass="entr" presetSubtype="0" fill="hold" nodeType="clickEffect">
+                                  <p:stCondLst>
+                                    <p:cond delay="0"/>
+                                  </p:stCondLst>
+                                  <p:childTnLst>
+                                    <p:set>
+                                      <p:cBhvr>
+                                        <p:cTn id="10" dur="1" fill="hold">
                                           <p:stCondLst>
                                             <p:cond delay="0"/>
                                           </p:stCondLst>

--- a/Courses/Software-Sciences/Module-3-Databases-New/07-Modeling-Databases/07-Modeling-Databases.pptx
+++ b/Courses/Software-Sciences/Module-3-Databases-New/07-Modeling-Databases/07-Modeling-Databases.pptx
@@ -469,7 +469,7 @@
           <a:p>
             <a:fld id="{4E087215-0C8F-4762-A664-737A353EC9A4}" type="datetimeFigureOut">
               <a:rPr lang="bg-BG" smtClean="0"/>
-              <a:t>17.07.24 г.</a:t>
+              <a:t>18.07.24 г.</a:t>
             </a:fld>
             <a:endParaRPr lang="bg-BG"/>
           </a:p>
@@ -665,7 +665,7 @@
           <a:p>
             <a:fld id="{72D84649-876A-46C9-8472-14CB09C070D8}" type="datetimeFigureOut">
               <a:rPr lang="en-US" smtClean="0"/>
-              <a:t>7/17/24</a:t>
+              <a:t>7/18/24</a:t>
             </a:fld>
             <a:endParaRPr lang="en-US"/>
           </a:p>
@@ -11447,7 +11447,7 @@
                 <a:latin typeface="Consolas" pitchFamily="49" charset="0"/>
                 <a:cs typeface="Consolas" pitchFamily="49" charset="0"/>
               </a:rPr>
-              <a:t>(1, 1), </a:t>
+              <a:t>(1, 1) </a:t>
             </a:r>
             <a:r>
               <a:rPr lang="en-US" sz="2800" b="1" noProof="1">
@@ -11630,7 +11630,7 @@
                 <a:latin typeface="Consolas" pitchFamily="49" charset="0"/>
                 <a:cs typeface="Consolas" pitchFamily="49" charset="0"/>
               </a:rPr>
-              <a:t>, 1), </a:t>
+              <a:t>, 1) </a:t>
             </a:r>
             <a:r>
               <a:rPr lang="en-US" sz="2400" b="1" noProof="1">
@@ -12012,22 +12012,12 @@
             </a:pPr>
             <a:r>
               <a:rPr lang="en-US" sz="2800" b="1" dirty="0">
-                <a:solidFill>
-                  <a:schemeClr val="tx2">
-                    <a:lumMod val="75000"/>
-                  </a:schemeClr>
-                </a:solidFill>
                 <a:latin typeface="Consolas" pitchFamily="49" charset="0"/>
                 <a:cs typeface="Consolas" pitchFamily="49" charset="0"/>
               </a:rPr>
               <a:t>Towns</a:t>
             </a:r>
             <a:endParaRPr lang="bg-BG" sz="2800" b="1" dirty="0">
-              <a:solidFill>
-                <a:schemeClr val="tx2">
-                  <a:lumMod val="75000"/>
-                </a:schemeClr>
-              </a:solidFill>
               <a:latin typeface="Consolas" pitchFamily="49" charset="0"/>
               <a:cs typeface="Consolas" pitchFamily="49" charset="0"/>
             </a:endParaRPr>
@@ -12044,7 +12034,7 @@
         </p:nvSpPr>
         <p:spPr bwMode="auto">
           <a:xfrm>
-            <a:off x="8417043" y="3274393"/>
+            <a:off x="8659450" y="3305691"/>
             <a:ext cx="1959701" cy="480131"/>
           </a:xfrm>
           <a:prstGeom prst="rect">
@@ -12081,22 +12071,12 @@
             </a:pPr>
             <a:r>
               <a:rPr lang="en-US" sz="2800" b="1" dirty="0">
-                <a:solidFill>
-                  <a:schemeClr val="tx2">
-                    <a:lumMod val="75000"/>
-                  </a:schemeClr>
-                </a:solidFill>
                 <a:latin typeface="Consolas" pitchFamily="49" charset="0"/>
                 <a:cs typeface="Consolas" pitchFamily="49" charset="0"/>
               </a:rPr>
               <a:t>Countries</a:t>
             </a:r>
             <a:endParaRPr lang="bg-BG" sz="2800" b="1" dirty="0">
-              <a:solidFill>
-                <a:schemeClr val="tx2">
-                  <a:lumMod val="75000"/>
-                </a:schemeClr>
-              </a:solidFill>
               <a:latin typeface="Consolas" pitchFamily="49" charset="0"/>
               <a:cs typeface="Consolas" pitchFamily="49" charset="0"/>
             </a:endParaRPr>
@@ -15353,7 +15333,15 @@
           <a:p>
             <a:r>
               <a:rPr lang="bg-BG" dirty="0"/>
-              <a:t>Връзката може и да се премахва:</a:t>
+              <a:t>Връзката може и да се </a:t>
+            </a:r>
+            <a:r>
+              <a:rPr lang="bg-BG" b="1" dirty="0"/>
+              <a:t>премахва</a:t>
+            </a:r>
+            <a:r>
+              <a:rPr lang="bg-BG" dirty="0"/>
+              <a:t>:</a:t>
             </a:r>
             <a:endParaRPr lang="en-US" dirty="0"/>
           </a:p>
@@ -21209,7 +21197,7 @@
             </a:r>
             <a:r>
               <a:rPr lang="bg-BG" dirty="0"/>
-              <a:t>, извън таблицата, и избираме </a:t>
+              <a:t> извън таблицата и избираме </a:t>
             </a:r>
             <a:r>
               <a:rPr lang="en-US" dirty="0"/>
@@ -29464,27 +29452,7 @@
                 <a:latin typeface="Consolas" pitchFamily="49" charset="0"/>
                 <a:cs typeface="Consolas" pitchFamily="49" charset="0"/>
               </a:rPr>
-              <a:t>IDENTITY(1, 1)</a:t>
-            </a:r>
-            <a:r>
-              <a:rPr lang="en-US" sz="3200" b="1" baseline="0" noProof="1">
-                <a:solidFill>
-                  <a:schemeClr val="tx2"/>
-                </a:solidFill>
-                <a:latin typeface="Consolas" pitchFamily="49" charset="0"/>
-                <a:cs typeface="Consolas" pitchFamily="49" charset="0"/>
-              </a:rPr>
-              <a:t>,</a:t>
-            </a:r>
-            <a:r>
-              <a:rPr lang="en-US" sz="3200" b="1" baseline="0" noProof="1">
-                <a:solidFill>
-                  <a:schemeClr val="bg1"/>
-                </a:solidFill>
-                <a:latin typeface="Consolas" pitchFamily="49" charset="0"/>
-                <a:cs typeface="Consolas" pitchFamily="49" charset="0"/>
-              </a:rPr>
-              <a:t> PRIMARY KEY</a:t>
+              <a:t>IDENTITY(1, 1) PRIMARY KEY</a:t>
             </a:r>
             <a:r>
               <a:rPr lang="en-US" sz="3200" b="1" baseline="0" noProof="1">
@@ -29744,7 +29712,7 @@
         </p:nvSpPr>
         <p:spPr bwMode="auto">
           <a:xfrm>
-            <a:off x="7620000" y="4724400"/>
+            <a:off x="7536000" y="4824000"/>
             <a:ext cx="3291000" cy="985755"/>
           </a:xfrm>
           <a:prstGeom prst="wedgeRoundRectCallout">
